--- a/Documentation/ProjectDocumentation/Presentation.pptx
+++ b/Documentation/ProjectDocumentation/Presentation.pptx
@@ -5,21 +5,8 @@
     <p:sldMasterId id="2147483648" r:id="rId1"/>
   </p:sldMasterIdLst>
   <p:sldIdLst>
-    <p:sldId id="256" r:id="rId2"/>
-    <p:sldId id="258" r:id="rId3"/>
-    <p:sldId id="257" r:id="rId4"/>
-    <p:sldId id="259" r:id="rId5"/>
-    <p:sldId id="265" r:id="rId6"/>
-    <p:sldId id="264" r:id="rId7"/>
-    <p:sldId id="267" r:id="rId8"/>
-    <p:sldId id="268" r:id="rId9"/>
-    <p:sldId id="269" r:id="rId10"/>
-    <p:sldId id="260" r:id="rId11"/>
-    <p:sldId id="261" r:id="rId12"/>
-    <p:sldId id="262" r:id="rId13"/>
-    <p:sldId id="263" r:id="rId14"/>
-    <p:sldId id="266" r:id="rId15"/>
-    <p:sldId id="270" r:id="rId16"/>
+    <p:sldId id="272" r:id="rId2"/>
+    <p:sldId id="271" r:id="rId3"/>
   </p:sldIdLst>
   <p:sldSz cx="9144000" cy="6858000" type="screen4x3"/>
   <p:notesSz cx="6858000" cy="9144000"/>
@@ -320,7 +307,7 @@
           <a:p>
             <a:fld id="{1BA50D42-C9CD-4801-B293-61D1F53EC57E}" type="datetimeFigureOut">
               <a:rPr lang="de-DE" smtClean="0"/>
-              <a:t>03.07.2017</a:t>
+              <a:t>14.11.2017</a:t>
             </a:fld>
             <a:endParaRPr lang="de-DE"/>
           </a:p>
@@ -483,7 +470,7 @@
           <a:p>
             <a:fld id="{1BA50D42-C9CD-4801-B293-61D1F53EC57E}" type="datetimeFigureOut">
               <a:rPr lang="de-DE" smtClean="0"/>
-              <a:t>03.07.2017</a:t>
+              <a:t>14.11.2017</a:t>
             </a:fld>
             <a:endParaRPr lang="de-DE"/>
           </a:p>
@@ -656,7 +643,7 @@
           <a:p>
             <a:fld id="{1BA50D42-C9CD-4801-B293-61D1F53EC57E}" type="datetimeFigureOut">
               <a:rPr lang="de-DE" smtClean="0"/>
-              <a:t>03.07.2017</a:t>
+              <a:t>14.11.2017</a:t>
             </a:fld>
             <a:endParaRPr lang="de-DE"/>
           </a:p>
@@ -745,7 +732,7 @@
           <a:lstStyle/>
           <a:p>
             <a:r>
-              <a:rPr lang="de-DE"/>
+              <a:rPr lang="de-DE" dirty="0"/>
               <a:t>Titelmasterformat durch Klicken bearbeiten</a:t>
             </a:r>
           </a:p>
@@ -768,35 +755,35 @@
           <a:p>
             <a:pPr lvl="0"/>
             <a:r>
-              <a:rPr lang="de-DE"/>
+              <a:rPr lang="de-DE" dirty="0"/>
               <a:t>Textmasterformate durch Klicken bearbeiten</a:t>
             </a:r>
           </a:p>
           <a:p>
             <a:pPr lvl="1"/>
             <a:r>
-              <a:rPr lang="de-DE"/>
+              <a:rPr lang="de-DE" dirty="0"/>
               <a:t>Zweite Ebene</a:t>
             </a:r>
           </a:p>
           <a:p>
             <a:pPr lvl="2"/>
             <a:r>
-              <a:rPr lang="de-DE"/>
+              <a:rPr lang="de-DE" dirty="0"/>
               <a:t>Dritte Ebene</a:t>
             </a:r>
           </a:p>
           <a:p>
             <a:pPr lvl="3"/>
             <a:r>
-              <a:rPr lang="de-DE"/>
+              <a:rPr lang="de-DE" dirty="0"/>
               <a:t>Vierte Ebene</a:t>
             </a:r>
           </a:p>
           <a:p>
             <a:pPr lvl="4"/>
             <a:r>
-              <a:rPr lang="de-DE"/>
+              <a:rPr lang="de-DE" dirty="0"/>
               <a:t>Fünfte Ebene</a:t>
             </a:r>
           </a:p>
@@ -819,7 +806,7 @@
           <a:p>
             <a:fld id="{1BA50D42-C9CD-4801-B293-61D1F53EC57E}" type="datetimeFigureOut">
               <a:rPr lang="de-DE" smtClean="0"/>
-              <a:t>03.07.2017</a:t>
+              <a:t>14.11.2017</a:t>
             </a:fld>
             <a:endParaRPr lang="de-DE"/>
           </a:p>
@@ -917,7 +904,7 @@
           </a:lstStyle>
           <a:p>
             <a:r>
-              <a:rPr lang="de-DE"/>
+              <a:rPr lang="de-DE" dirty="0"/>
               <a:t>Titelmasterformat durch Klicken bearbeiten</a:t>
             </a:r>
           </a:p>
@@ -1036,7 +1023,7 @@
           <a:p>
             <a:pPr lvl="0"/>
             <a:r>
-              <a:rPr lang="de-DE"/>
+              <a:rPr lang="de-DE" dirty="0"/>
               <a:t>Textmasterformate durch Klicken bearbeiten</a:t>
             </a:r>
           </a:p>
@@ -1059,7 +1046,7 @@
           <a:p>
             <a:fld id="{1BA50D42-C9CD-4801-B293-61D1F53EC57E}" type="datetimeFigureOut">
               <a:rPr lang="de-DE" smtClean="0"/>
-              <a:t>03.07.2017</a:t>
+              <a:t>14.11.2017</a:t>
             </a:fld>
             <a:endParaRPr lang="de-DE"/>
           </a:p>
@@ -1339,7 +1326,7 @@
           <a:p>
             <a:fld id="{1BA50D42-C9CD-4801-B293-61D1F53EC57E}" type="datetimeFigureOut">
               <a:rPr lang="de-DE" smtClean="0"/>
-              <a:t>03.07.2017</a:t>
+              <a:t>14.11.2017</a:t>
             </a:fld>
             <a:endParaRPr lang="de-DE"/>
           </a:p>
@@ -1753,7 +1740,7 @@
           <a:p>
             <a:fld id="{1BA50D42-C9CD-4801-B293-61D1F53EC57E}" type="datetimeFigureOut">
               <a:rPr lang="de-DE" smtClean="0"/>
-              <a:t>03.07.2017</a:t>
+              <a:t>14.11.2017</a:t>
             </a:fld>
             <a:endParaRPr lang="de-DE"/>
           </a:p>
@@ -1865,7 +1852,7 @@
           <a:p>
             <a:fld id="{1BA50D42-C9CD-4801-B293-61D1F53EC57E}" type="datetimeFigureOut">
               <a:rPr lang="de-DE" smtClean="0"/>
-              <a:t>03.07.2017</a:t>
+              <a:t>14.11.2017</a:t>
             </a:fld>
             <a:endParaRPr lang="de-DE"/>
           </a:p>
@@ -1955,7 +1942,7 @@
           <a:p>
             <a:fld id="{1BA50D42-C9CD-4801-B293-61D1F53EC57E}" type="datetimeFigureOut">
               <a:rPr lang="de-DE" smtClean="0"/>
-              <a:t>03.07.2017</a:t>
+              <a:t>14.11.2017</a:t>
             </a:fld>
             <a:endParaRPr lang="de-DE"/>
           </a:p>
@@ -2225,7 +2212,7 @@
           <a:p>
             <a:fld id="{1BA50D42-C9CD-4801-B293-61D1F53EC57E}" type="datetimeFigureOut">
               <a:rPr lang="de-DE" smtClean="0"/>
-              <a:t>03.07.2017</a:t>
+              <a:t>14.11.2017</a:t>
             </a:fld>
             <a:endParaRPr lang="de-DE"/>
           </a:p>
@@ -2472,7 +2459,7 @@
           <a:p>
             <a:fld id="{1BA50D42-C9CD-4801-B293-61D1F53EC57E}" type="datetimeFigureOut">
               <a:rPr lang="de-DE" smtClean="0"/>
-              <a:t>03.07.2017</a:t>
+              <a:t>14.11.2017</a:t>
             </a:fld>
             <a:endParaRPr lang="de-DE"/>
           </a:p>
@@ -2678,7 +2665,7 @@
           <a:p>
             <a:fld id="{1BA50D42-C9CD-4801-B293-61D1F53EC57E}" type="datetimeFigureOut">
               <a:rPr lang="de-DE" smtClean="0"/>
-              <a:t>03.07.2017</a:t>
+              <a:t>14.11.2017</a:t>
             </a:fld>
             <a:endParaRPr lang="de-DE"/>
           </a:p>
@@ -3050,186 +3037,38 @@
       </p:grpSpPr>
       <p:sp>
         <p:nvSpPr>
-          <p:cNvPr id="23" name="Rectangle 12"/>
-          <p:cNvSpPr>
-            <a:spLocks noGrp="1" noRot="1" noChangeAspect="1" noMove="1" noResize="1" noEditPoints="1" noAdjustHandles="1" noChangeArrowheads="1" noChangeShapeType="1" noTextEdit="1"/>
-          </p:cNvSpPr>
-          <p:nvPr>
-            <p:extLst>
-              <p:ext uri="{386F3935-93C4-4BCD-93E2-E3B085C9AB24}">
-                <p16:designElem xmlns:p16="http://schemas.microsoft.com/office/powerpoint/2015/main" val="1"/>
-              </p:ext>
-            </p:extLst>
-          </p:nvPr>
-        </p:nvSpPr>
-        <p:spPr bwMode="white">
-          <a:xfrm>
-            <a:off x="0" y="0"/>
-            <a:ext cx="9144000" cy="6858000"/>
-          </a:xfrm>
-          <a:prstGeom prst="rect">
-            <a:avLst/>
-          </a:prstGeom>
-          <a:solidFill>
-            <a:schemeClr val="bg1"/>
-          </a:solidFill>
-          <a:ln>
-            <a:noFill/>
-          </a:ln>
-          <a:effectLst/>
-        </p:spPr>
-      </p:sp>
-      <p:pic>
-        <p:nvPicPr>
-          <p:cNvPr id="8" name="Inhaltsplatzhalter 7" descr="C:\Users\pauls\AppData\Local\Microsoft\Windows\INetCache\Content.Word\logo_paul_10.png">
+          <p:cNvPr id="4" name="Titel 3">
             <a:extLst>
               <a:ext uri="{FF2B5EF4-FFF2-40B4-BE49-F238E27FC236}">
-                <a16:creationId xmlns:a16="http://schemas.microsoft.com/office/drawing/2014/main" id="{30F706AE-F981-492D-9BFC-9535A307A6BC}"/>
+                <a16:creationId xmlns:a16="http://schemas.microsoft.com/office/drawing/2014/main" id="{96FAFB44-06B7-4518-B798-E9367B98DEBD}"/>
               </a:ext>
             </a:extLst>
           </p:cNvPr>
-          <p:cNvPicPr>
-            <a:picLocks noGrp="1"/>
-          </p:cNvPicPr>
-          <p:nvPr>
-            <p:ph idx="1"/>
-          </p:nvPr>
-        </p:nvPicPr>
-        <p:blipFill rotWithShape="1">
-          <a:blip r:embed="rId2" cstate="print">
-            <a:extLst>
-              <a:ext uri="{28A0092B-C50C-407E-A947-70E740481C1C}">
-                <a14:useLocalDpi xmlns:a14="http://schemas.microsoft.com/office/drawing/2010/main" val="0"/>
-              </a:ext>
-            </a:extLst>
-          </a:blip>
-          <a:srcRect/>
-          <a:stretch/>
-        </p:blipFill>
-        <p:spPr bwMode="auto">
-          <a:xfrm>
-            <a:off x="3977268" y="1076940"/>
-            <a:ext cx="4704118" cy="4704118"/>
-          </a:xfrm>
-          <a:prstGeom prst="rect">
-            <a:avLst/>
-          </a:prstGeom>
-          <a:noFill/>
-        </p:spPr>
-      </p:pic>
-      <p:sp>
-        <p:nvSpPr>
-          <p:cNvPr id="15" name="Rectangle 14"/>
-          <p:cNvSpPr>
-            <a:spLocks noGrp="1" noRot="1" noChangeAspect="1" noMove="1" noResize="1" noEditPoints="1" noAdjustHandles="1" noChangeArrowheads="1" noChangeShapeType="1" noTextEdit="1"/>
-          </p:cNvSpPr>
-          <p:nvPr>
-            <p:extLst>
-              <p:ext uri="{386F3935-93C4-4BCD-93E2-E3B085C9AB24}">
-                <p16:designElem xmlns:p16="http://schemas.microsoft.com/office/powerpoint/2015/main" val="1"/>
-              </p:ext>
-            </p:extLst>
-          </p:nvPr>
-        </p:nvSpPr>
-        <p:spPr bwMode="ltGray">
-          <a:xfrm>
-            <a:off x="252664" y="282498"/>
-            <a:ext cx="3249230" cy="6170341"/>
-          </a:xfrm>
-          <a:prstGeom prst="rect">
-            <a:avLst/>
-          </a:prstGeom>
-          <a:solidFill>
-            <a:schemeClr val="tx1">
-              <a:lumMod val="75000"/>
-              <a:lumOff val="25000"/>
-            </a:schemeClr>
-          </a:solidFill>
-          <a:ln w="127000" cap="sq" cmpd="thinThick">
-            <a:solidFill>
-              <a:schemeClr val="tx1">
-                <a:lumMod val="75000"/>
-                <a:lumOff val="25000"/>
-              </a:schemeClr>
-            </a:solidFill>
-          </a:ln>
-        </p:spPr>
-        <p:style>
-          <a:lnRef idx="2">
-            <a:schemeClr val="accent1">
-              <a:shade val="50000"/>
-            </a:schemeClr>
-          </a:lnRef>
-          <a:fillRef idx="1">
-            <a:schemeClr val="accent1"/>
-          </a:fillRef>
-          <a:effectRef idx="0">
-            <a:schemeClr val="accent1"/>
-          </a:effectRef>
-          <a:fontRef idx="minor">
-            <a:schemeClr val="lt1"/>
-          </a:fontRef>
-        </p:style>
-        <p:txBody>
-          <a:bodyPr rtlCol="0" anchor="ctr"/>
-          <a:lstStyle/>
-          <a:p>
-            <a:pPr algn="ctr"/>
-            <a:endParaRPr lang="en-US" sz="1350"/>
-          </a:p>
-        </p:txBody>
-      </p:sp>
-      <p:cxnSp>
-        <p:nvCxnSpPr>
-          <p:cNvPr id="17" name="Straight Connector 16"/>
-          <p:cNvCxnSpPr>
-            <a:cxnSpLocks noGrp="1" noRot="1" noChangeAspect="1" noMove="1" noResize="1" noEditPoints="1" noAdjustHandles="1" noChangeArrowheads="1" noChangeShapeType="1"/>
-          </p:cNvCxnSpPr>
-          <p:nvPr>
-            <p:extLst>
-              <p:ext uri="{386F3935-93C4-4BCD-93E2-E3B085C9AB24}">
-                <p16:designElem xmlns:p16="http://schemas.microsoft.com/office/powerpoint/2015/main" val="1"/>
-              </p:ext>
-            </p:extLst>
-          </p:nvPr>
-        </p:nvCxnSpPr>
-        <p:spPr>
-          <a:xfrm>
-            <a:off x="893344" y="3789950"/>
-            <a:ext cx="1940093" cy="0"/>
-          </a:xfrm>
-          <a:prstGeom prst="line">
-            <a:avLst/>
-          </a:prstGeom>
-          <a:ln w="22225">
-            <a:solidFill>
-              <a:schemeClr val="bg1">
-                <a:lumMod val="85000"/>
-              </a:schemeClr>
-            </a:solidFill>
-          </a:ln>
-        </p:spPr>
-        <p:style>
-          <a:lnRef idx="1">
-            <a:schemeClr val="accent1"/>
-          </a:lnRef>
-          <a:fillRef idx="0">
-            <a:schemeClr val="accent1"/>
-          </a:fillRef>
-          <a:effectRef idx="0">
-            <a:schemeClr val="accent1"/>
-          </a:effectRef>
-          <a:fontRef idx="minor">
-            <a:schemeClr val="tx1"/>
-          </a:fontRef>
-        </p:style>
-      </p:cxnSp>
-      <p:sp>
-        <p:nvSpPr>
-          <p:cNvPr id="2" name="Titel 1">
+          <p:cNvSpPr>
+            <a:spLocks noGrp="1"/>
+          </p:cNvSpPr>
+          <p:nvPr>
+            <p:ph type="ctrTitle"/>
+          </p:nvPr>
+        </p:nvSpPr>
+        <p:spPr/>
+        <p:txBody>
+          <a:bodyPr/>
+          <a:lstStyle/>
+          <a:p>
+            <a:r>
+              <a:rPr lang="de-AT" dirty="0"/>
+              <a:t>3D Scanner</a:t>
+            </a:r>
+          </a:p>
+        </p:txBody>
+      </p:sp>
+      <p:sp>
+        <p:nvSpPr>
+          <p:cNvPr id="5" name="Untertitel 4">
             <a:extLst>
               <a:ext uri="{FF2B5EF4-FFF2-40B4-BE49-F238E27FC236}">
-                <a16:creationId xmlns:a16="http://schemas.microsoft.com/office/drawing/2014/main" id="{89339957-30A7-4191-BF7D-D446022A0006}"/>
+                <a16:creationId xmlns:a16="http://schemas.microsoft.com/office/drawing/2014/main" id="{F9771DBA-D84B-491E-9502-0ABAE2C90455}"/>
               </a:ext>
             </a:extLst>
           </p:cNvPr>
@@ -3237,1333 +3076,22 @@
             <a:spLocks noGrp="1"/>
           </p:cNvSpPr>
           <p:nvPr>
-            <p:ph type="title"/>
-          </p:nvPr>
-        </p:nvSpPr>
-        <p:spPr>
-          <a:xfrm>
-            <a:off x="505678" y="713678"/>
-            <a:ext cx="2743200" cy="2995057"/>
-          </a:xfrm>
-        </p:spPr>
-        <p:txBody>
-          <a:bodyPr vert="horz" lIns="91440" tIns="45720" rIns="91440" bIns="45720" rtlCol="0" anchor="b">
-            <a:normAutofit/>
-          </a:bodyPr>
-          <a:lstStyle/>
-          <a:p>
-            <a:pPr>
-              <a:lnSpc>
-                <a:spcPct val="90000"/>
-              </a:lnSpc>
-            </a:pPr>
-            <a:r>
-              <a:rPr lang="en-US" sz="3600" dirty="0">
-                <a:solidFill>
-                  <a:schemeClr val="bg1"/>
-                </a:solidFill>
-              </a:rPr>
-              <a:t>Archivist</a:t>
-            </a:r>
-          </a:p>
-        </p:txBody>
-      </p:sp>
-      <p:sp>
-        <p:nvSpPr>
-          <p:cNvPr id="16" name="Titel 1">
-            <a:extLst>
-              <a:ext uri="{FF2B5EF4-FFF2-40B4-BE49-F238E27FC236}">
-                <a16:creationId xmlns:a16="http://schemas.microsoft.com/office/drawing/2014/main" id="{2AFF79B8-44F7-4FD8-9AB7-482435288AC5}"/>
-              </a:ext>
-            </a:extLst>
-          </p:cNvPr>
-          <p:cNvSpPr txBox="1">
-            <a:spLocks/>
-          </p:cNvSpPr>
-          <p:nvPr/>
-        </p:nvSpPr>
-        <p:spPr>
-          <a:xfrm>
-            <a:off x="505678" y="4072449"/>
-            <a:ext cx="2743200" cy="364663"/>
-          </a:xfrm>
-          <a:prstGeom prst="rect">
-            <a:avLst/>
-          </a:prstGeom>
-        </p:spPr>
-        <p:txBody>
-          <a:bodyPr vert="horz" lIns="91440" tIns="45720" rIns="91440" bIns="45720" rtlCol="0" anchor="b">
-            <a:normAutofit/>
-          </a:bodyPr>
-          <a:lstStyle>
-            <a:lvl1pPr algn="ctr" defTabSz="914400" rtl="0" eaLnBrk="1" latinLnBrk="0" hangingPunct="1">
-              <a:spcBef>
-                <a:spcPct val="0"/>
-              </a:spcBef>
-              <a:buNone/>
-              <a:defRPr sz="4400" kern="1200">
-                <a:solidFill>
-                  <a:schemeClr val="tx1"/>
-                </a:solidFill>
-                <a:latin typeface="+mj-lt"/>
-                <a:ea typeface="+mj-ea"/>
-                <a:cs typeface="+mj-cs"/>
-              </a:defRPr>
-            </a:lvl1pPr>
-          </a:lstStyle>
-          <a:p>
-            <a:pPr>
-              <a:lnSpc>
-                <a:spcPct val="90000"/>
-              </a:lnSpc>
-            </a:pPr>
-            <a:r>
-              <a:rPr lang="en-US" sz="1600" dirty="0">
-                <a:solidFill>
-                  <a:schemeClr val="bg1"/>
-                </a:solidFill>
-              </a:rPr>
-              <a:t>by Paul Schmutz &amp; Boris Fuchs</a:t>
-            </a:r>
+            <p:ph type="subTitle" idx="1"/>
+          </p:nvPr>
+        </p:nvSpPr>
+        <p:spPr/>
+        <p:txBody>
+          <a:bodyPr/>
+          <a:lstStyle/>
+          <a:p>
+            <a:endParaRPr lang="de-AT"/>
           </a:p>
         </p:txBody>
       </p:sp>
     </p:spTree>
     <p:extLst>
       <p:ext uri="{BB962C8B-B14F-4D97-AF65-F5344CB8AC3E}">
-        <p14:creationId xmlns:p14="http://schemas.microsoft.com/office/powerpoint/2010/main" val="1368672442"/>
-      </p:ext>
-    </p:extLst>
-  </p:cSld>
-  <p:clrMapOvr>
-    <a:masterClrMapping/>
-  </p:clrMapOvr>
-</p:sld>
-</file>
-
-<file path=ppt/slides/slide10.xml><?xml version="1.0" encoding="utf-8"?>
-<p:sld xmlns:a="http://schemas.openxmlformats.org/drawingml/2006/main" xmlns:r="http://schemas.openxmlformats.org/officeDocument/2006/relationships" xmlns:p="http://schemas.openxmlformats.org/presentationml/2006/main" show="0">
-  <p:cSld>
-    <p:spTree>
-      <p:nvGrpSpPr>
-        <p:cNvPr id="1" name=""/>
-        <p:cNvGrpSpPr/>
-        <p:nvPr/>
-      </p:nvGrpSpPr>
-      <p:grpSpPr>
-        <a:xfrm>
-          <a:off x="0" y="0"/>
-          <a:ext cx="0" cy="0"/>
-          <a:chOff x="0" y="0"/>
-          <a:chExt cx="0" cy="0"/>
-        </a:xfrm>
-      </p:grpSpPr>
-      <p:sp>
-        <p:nvSpPr>
-          <p:cNvPr id="2" name="Titel 1">
-            <a:extLst>
-              <a:ext uri="{FF2B5EF4-FFF2-40B4-BE49-F238E27FC236}">
-                <a16:creationId xmlns:a16="http://schemas.microsoft.com/office/drawing/2014/main" id="{DACCC2B6-6A38-4119-A770-CEF2A062B6C6}"/>
-              </a:ext>
-            </a:extLst>
-          </p:cNvPr>
-          <p:cNvSpPr>
-            <a:spLocks noGrp="1"/>
-          </p:cNvSpPr>
-          <p:nvPr>
-            <p:ph type="title"/>
-          </p:nvPr>
-        </p:nvSpPr>
-        <p:spPr>
-          <a:xfrm>
-            <a:off x="457200" y="274638"/>
-            <a:ext cx="8229600" cy="1143000"/>
-          </a:xfrm>
-          <a:solidFill>
-            <a:srgbClr val="8F111A"/>
-          </a:solidFill>
-          <a:ln w="12700">
-            <a:solidFill>
-              <a:schemeClr val="tx1"/>
-            </a:solidFill>
-          </a:ln>
-        </p:spPr>
-        <p:txBody>
-          <a:bodyPr/>
-          <a:lstStyle/>
-          <a:p>
-            <a:r>
-              <a:rPr lang="de-AT" dirty="0">
-                <a:solidFill>
-                  <a:schemeClr val="bg1">
-                    <a:lumMod val="95000"/>
-                  </a:schemeClr>
-                </a:solidFill>
-              </a:rPr>
-              <a:t>Implementierung</a:t>
-            </a:r>
-          </a:p>
-        </p:txBody>
-      </p:sp>
-      <p:pic>
-        <p:nvPicPr>
-          <p:cNvPr id="4" name="Grafik 3">
-            <a:extLst>
-              <a:ext uri="{FF2B5EF4-FFF2-40B4-BE49-F238E27FC236}">
-                <a16:creationId xmlns:a16="http://schemas.microsoft.com/office/drawing/2014/main" id="{E9D33F78-1996-4E75-803D-E403CAEE3DAC}"/>
-              </a:ext>
-            </a:extLst>
-          </p:cNvPr>
-          <p:cNvPicPr>
-            <a:picLocks noChangeAspect="1"/>
-          </p:cNvPicPr>
-          <p:nvPr/>
-        </p:nvPicPr>
-        <p:blipFill>
-          <a:blip r:embed="rId2"/>
-          <a:stretch>
-            <a:fillRect/>
-          </a:stretch>
-        </p:blipFill>
-        <p:spPr>
-          <a:xfrm>
-            <a:off x="611560" y="313271"/>
-            <a:ext cx="1020471" cy="1065734"/>
-          </a:xfrm>
-          <a:prstGeom prst="rect">
-            <a:avLst/>
-          </a:prstGeom>
-        </p:spPr>
-      </p:pic>
-      <p:sp>
-        <p:nvSpPr>
-          <p:cNvPr id="8" name="Inhaltsplatzhalter 2">
-            <a:extLst>
-              <a:ext uri="{FF2B5EF4-FFF2-40B4-BE49-F238E27FC236}">
-                <a16:creationId xmlns:a16="http://schemas.microsoft.com/office/drawing/2014/main" id="{FD41DC43-1A29-4CCA-8C55-47290F2A8EAF}"/>
-              </a:ext>
-            </a:extLst>
-          </p:cNvPr>
-          <p:cNvSpPr>
-            <a:spLocks noGrp="1"/>
-          </p:cNvSpPr>
-          <p:nvPr>
-            <p:ph idx="1"/>
-          </p:nvPr>
-        </p:nvSpPr>
-        <p:spPr>
-          <a:xfrm>
-            <a:off x="457200" y="1844824"/>
-            <a:ext cx="8229600" cy="720080"/>
-          </a:xfrm>
-        </p:spPr>
-        <p:txBody>
-          <a:bodyPr>
-            <a:normAutofit/>
-          </a:bodyPr>
-          <a:lstStyle/>
-          <a:p>
-            <a:pPr marL="0" indent="0" algn="ctr">
-              <a:buNone/>
-            </a:pPr>
-            <a:r>
-              <a:rPr lang="de-AT" sz="4000" u="sng" dirty="0"/>
-              <a:t>Developer-Tools</a:t>
-            </a:r>
-            <a:endParaRPr lang="de-AT" sz="4000" dirty="0"/>
-          </a:p>
-          <a:p>
-            <a:endParaRPr lang="de-AT" sz="4000" dirty="0"/>
-          </a:p>
-          <a:p>
-            <a:endParaRPr lang="de-AT" sz="4000" dirty="0"/>
-          </a:p>
-        </p:txBody>
-      </p:sp>
-      <p:pic>
-        <p:nvPicPr>
-          <p:cNvPr id="9" name="Grafik 8" descr="Bildergebnis für spring tool suite">
-            <a:extLst>
-              <a:ext uri="{FF2B5EF4-FFF2-40B4-BE49-F238E27FC236}">
-                <a16:creationId xmlns:a16="http://schemas.microsoft.com/office/drawing/2014/main" id="{150B4C4B-6919-49AC-8C47-B54AD3186DE8}"/>
-              </a:ext>
-            </a:extLst>
-          </p:cNvPr>
-          <p:cNvPicPr/>
-          <p:nvPr/>
-        </p:nvPicPr>
-        <p:blipFill>
-          <a:blip r:embed="rId3" cstate="print">
-            <a:extLst>
-              <a:ext uri="{28A0092B-C50C-407E-A947-70E740481C1C}">
-                <a14:useLocalDpi xmlns:a14="http://schemas.microsoft.com/office/drawing/2010/main" val="0"/>
-              </a:ext>
-            </a:extLst>
-          </a:blip>
-          <a:srcRect/>
-          <a:stretch>
-            <a:fillRect/>
-          </a:stretch>
-        </p:blipFill>
-        <p:spPr bwMode="auto">
-          <a:xfrm>
-            <a:off x="780530" y="3466104"/>
-            <a:ext cx="1656184" cy="1872208"/>
-          </a:xfrm>
-          <a:prstGeom prst="rect">
-            <a:avLst/>
-          </a:prstGeom>
-          <a:noFill/>
-          <a:ln>
-            <a:noFill/>
-          </a:ln>
-        </p:spPr>
-      </p:pic>
-      <p:pic>
-        <p:nvPicPr>
-          <p:cNvPr id="10" name="Grafik 9" descr="Bildergebnis für wildfly">
-            <a:extLst>
-              <a:ext uri="{FF2B5EF4-FFF2-40B4-BE49-F238E27FC236}">
-                <a16:creationId xmlns:a16="http://schemas.microsoft.com/office/drawing/2014/main" id="{671B769D-4A9C-444F-8E08-C6B2497AA03C}"/>
-              </a:ext>
-            </a:extLst>
-          </p:cNvPr>
-          <p:cNvPicPr/>
-          <p:nvPr/>
-        </p:nvPicPr>
-        <p:blipFill>
-          <a:blip r:embed="rId4" cstate="print">
-            <a:extLst>
-              <a:ext uri="{28A0092B-C50C-407E-A947-70E740481C1C}">
-                <a14:useLocalDpi xmlns:a14="http://schemas.microsoft.com/office/drawing/2010/main" val="0"/>
-              </a:ext>
-            </a:extLst>
-          </a:blip>
-          <a:srcRect/>
-          <a:stretch>
-            <a:fillRect/>
-          </a:stretch>
-        </p:blipFill>
-        <p:spPr bwMode="auto">
-          <a:xfrm>
-            <a:off x="3311859" y="2992090"/>
-            <a:ext cx="2520280" cy="747832"/>
-          </a:xfrm>
-          <a:prstGeom prst="rect">
-            <a:avLst/>
-          </a:prstGeom>
-          <a:noFill/>
-          <a:ln>
-            <a:noFill/>
-          </a:ln>
-        </p:spPr>
-      </p:pic>
-      <p:pic>
-        <p:nvPicPr>
-          <p:cNvPr id="11" name="Grafik 10" descr="Bildergebnis für mysql">
-            <a:extLst>
-              <a:ext uri="{FF2B5EF4-FFF2-40B4-BE49-F238E27FC236}">
-                <a16:creationId xmlns:a16="http://schemas.microsoft.com/office/drawing/2014/main" id="{DA731A10-5A35-48C5-A607-EB0073981931}"/>
-              </a:ext>
-            </a:extLst>
-          </p:cNvPr>
-          <p:cNvPicPr/>
-          <p:nvPr/>
-        </p:nvPicPr>
-        <p:blipFill>
-          <a:blip r:embed="rId5" cstate="print">
-            <a:extLst>
-              <a:ext uri="{28A0092B-C50C-407E-A947-70E740481C1C}">
-                <a14:useLocalDpi xmlns:a14="http://schemas.microsoft.com/office/drawing/2010/main" val="0"/>
-              </a:ext>
-            </a:extLst>
-          </a:blip>
-          <a:srcRect/>
-          <a:stretch>
-            <a:fillRect/>
-          </a:stretch>
-        </p:blipFill>
-        <p:spPr bwMode="auto">
-          <a:xfrm>
-            <a:off x="6084273" y="2564904"/>
-            <a:ext cx="2160241" cy="1472428"/>
-          </a:xfrm>
-          <a:prstGeom prst="rect">
-            <a:avLst/>
-          </a:prstGeom>
-          <a:noFill/>
-          <a:ln>
-            <a:noFill/>
-          </a:ln>
-        </p:spPr>
-      </p:pic>
-      <p:pic>
-        <p:nvPicPr>
-          <p:cNvPr id="12" name="Grafik 11" descr="Bildergebnis für angularjs">
-            <a:extLst>
-              <a:ext uri="{FF2B5EF4-FFF2-40B4-BE49-F238E27FC236}">
-                <a16:creationId xmlns:a16="http://schemas.microsoft.com/office/drawing/2014/main" id="{80A72C5F-C150-400E-BCF4-A70BF7F97A06}"/>
-              </a:ext>
-            </a:extLst>
-          </p:cNvPr>
-          <p:cNvPicPr/>
-          <p:nvPr/>
-        </p:nvPicPr>
-        <p:blipFill>
-          <a:blip r:embed="rId6">
-            <a:extLst>
-              <a:ext uri="{28A0092B-C50C-407E-A947-70E740481C1C}">
-                <a14:useLocalDpi xmlns:a14="http://schemas.microsoft.com/office/drawing/2010/main" val="0"/>
-              </a:ext>
-            </a:extLst>
-          </a:blip>
-          <a:srcRect/>
-          <a:stretch>
-            <a:fillRect/>
-          </a:stretch>
-        </p:blipFill>
-        <p:spPr bwMode="auto">
-          <a:xfrm>
-            <a:off x="3646943" y="4228946"/>
-            <a:ext cx="1850112" cy="1925068"/>
-          </a:xfrm>
-          <a:prstGeom prst="rect">
-            <a:avLst/>
-          </a:prstGeom>
-          <a:noFill/>
-          <a:ln>
-            <a:noFill/>
-          </a:ln>
-        </p:spPr>
-      </p:pic>
-      <p:pic>
-        <p:nvPicPr>
-          <p:cNvPr id="13" name="Grafik 12" descr="Bildergebnis für bootstrap">
-            <a:extLst>
-              <a:ext uri="{FF2B5EF4-FFF2-40B4-BE49-F238E27FC236}">
-                <a16:creationId xmlns:a16="http://schemas.microsoft.com/office/drawing/2014/main" id="{A66DA320-02AF-472F-B834-0E9BC1E5E8B1}"/>
-              </a:ext>
-            </a:extLst>
-          </p:cNvPr>
-          <p:cNvPicPr/>
-          <p:nvPr/>
-        </p:nvPicPr>
-        <p:blipFill>
-          <a:blip r:embed="rId7" cstate="print">
-            <a:extLst>
-              <a:ext uri="{28A0092B-C50C-407E-A947-70E740481C1C}">
-                <a14:useLocalDpi xmlns:a14="http://schemas.microsoft.com/office/drawing/2010/main" val="0"/>
-              </a:ext>
-            </a:extLst>
-          </a:blip>
-          <a:srcRect/>
-          <a:stretch>
-            <a:fillRect/>
-          </a:stretch>
-        </p:blipFill>
-        <p:spPr bwMode="auto">
-          <a:xfrm>
-            <a:off x="6588224" y="4653136"/>
-            <a:ext cx="1148216" cy="1150037"/>
-          </a:xfrm>
-          <a:prstGeom prst="rect">
-            <a:avLst/>
-          </a:prstGeom>
-          <a:noFill/>
-          <a:ln>
-            <a:noFill/>
-          </a:ln>
-        </p:spPr>
-      </p:pic>
-    </p:spTree>
-    <p:extLst>
-      <p:ext uri="{BB962C8B-B14F-4D97-AF65-F5344CB8AC3E}">
-        <p14:creationId xmlns:p14="http://schemas.microsoft.com/office/powerpoint/2010/main" val="19058577"/>
-      </p:ext>
-    </p:extLst>
-  </p:cSld>
-  <p:clrMapOvr>
-    <a:masterClrMapping/>
-  </p:clrMapOvr>
-</p:sld>
-</file>
-
-<file path=ppt/slides/slide11.xml><?xml version="1.0" encoding="utf-8"?>
-<p:sld xmlns:a="http://schemas.openxmlformats.org/drawingml/2006/main" xmlns:r="http://schemas.openxmlformats.org/officeDocument/2006/relationships" xmlns:p="http://schemas.openxmlformats.org/presentationml/2006/main">
-  <p:cSld>
-    <p:spTree>
-      <p:nvGrpSpPr>
-        <p:cNvPr id="1" name=""/>
-        <p:cNvGrpSpPr/>
-        <p:nvPr/>
-      </p:nvGrpSpPr>
-      <p:grpSpPr>
-        <a:xfrm>
-          <a:off x="0" y="0"/>
-          <a:ext cx="0" cy="0"/>
-          <a:chOff x="0" y="0"/>
-          <a:chExt cx="0" cy="0"/>
-        </a:xfrm>
-      </p:grpSpPr>
-      <p:sp>
-        <p:nvSpPr>
-          <p:cNvPr id="2" name="Titel 1">
-            <a:extLst>
-              <a:ext uri="{FF2B5EF4-FFF2-40B4-BE49-F238E27FC236}">
-                <a16:creationId xmlns:a16="http://schemas.microsoft.com/office/drawing/2014/main" id="{DACCC2B6-6A38-4119-A770-CEF2A062B6C6}"/>
-              </a:ext>
-            </a:extLst>
-          </p:cNvPr>
-          <p:cNvSpPr>
-            <a:spLocks noGrp="1"/>
-          </p:cNvSpPr>
-          <p:nvPr>
-            <p:ph type="title"/>
-          </p:nvPr>
-        </p:nvSpPr>
-        <p:spPr>
-          <a:xfrm>
-            <a:off x="457200" y="274638"/>
-            <a:ext cx="8229600" cy="1143000"/>
-          </a:xfrm>
-          <a:solidFill>
-            <a:srgbClr val="8F111A"/>
-          </a:solidFill>
-          <a:ln w="12700">
-            <a:solidFill>
-              <a:schemeClr val="tx1"/>
-            </a:solidFill>
-          </a:ln>
-        </p:spPr>
-        <p:txBody>
-          <a:bodyPr/>
-          <a:lstStyle/>
-          <a:p>
-            <a:r>
-              <a:rPr lang="de-AT" dirty="0">
-                <a:solidFill>
-                  <a:schemeClr val="bg1">
-                    <a:lumMod val="95000"/>
-                  </a:schemeClr>
-                </a:solidFill>
-              </a:rPr>
-              <a:t>Implementierung</a:t>
-            </a:r>
-          </a:p>
-        </p:txBody>
-      </p:sp>
-      <p:pic>
-        <p:nvPicPr>
-          <p:cNvPr id="4" name="Grafik 3">
-            <a:extLst>
-              <a:ext uri="{FF2B5EF4-FFF2-40B4-BE49-F238E27FC236}">
-                <a16:creationId xmlns:a16="http://schemas.microsoft.com/office/drawing/2014/main" id="{E9D33F78-1996-4E75-803D-E403CAEE3DAC}"/>
-              </a:ext>
-            </a:extLst>
-          </p:cNvPr>
-          <p:cNvPicPr>
-            <a:picLocks noChangeAspect="1"/>
-          </p:cNvPicPr>
-          <p:nvPr/>
-        </p:nvPicPr>
-        <p:blipFill>
-          <a:blip r:embed="rId2"/>
-          <a:stretch>
-            <a:fillRect/>
-          </a:stretch>
-        </p:blipFill>
-        <p:spPr>
-          <a:xfrm>
-            <a:off x="611560" y="313271"/>
-            <a:ext cx="1020471" cy="1065734"/>
-          </a:xfrm>
-          <a:prstGeom prst="rect">
-            <a:avLst/>
-          </a:prstGeom>
-        </p:spPr>
-      </p:pic>
-      <p:pic>
-        <p:nvPicPr>
-          <p:cNvPr id="5" name="Grafik 4">
-            <a:extLst>
-              <a:ext uri="{FF2B5EF4-FFF2-40B4-BE49-F238E27FC236}">
-                <a16:creationId xmlns:a16="http://schemas.microsoft.com/office/drawing/2014/main" id="{CF1A4ACB-13BF-45E2-8607-01099D5436B0}"/>
-              </a:ext>
-            </a:extLst>
-          </p:cNvPr>
-          <p:cNvPicPr>
-            <a:picLocks noChangeAspect="1"/>
-          </p:cNvPicPr>
-          <p:nvPr/>
-        </p:nvPicPr>
-        <p:blipFill>
-          <a:blip r:embed="rId3"/>
-          <a:stretch>
-            <a:fillRect/>
-          </a:stretch>
-        </p:blipFill>
-        <p:spPr>
-          <a:xfrm>
-            <a:off x="1160032" y="1772816"/>
-            <a:ext cx="6823936" cy="4680520"/>
-          </a:xfrm>
-          <a:prstGeom prst="rect">
-            <a:avLst/>
-          </a:prstGeom>
-        </p:spPr>
-      </p:pic>
-    </p:spTree>
-    <p:extLst>
-      <p:ext uri="{BB962C8B-B14F-4D97-AF65-F5344CB8AC3E}">
-        <p14:creationId xmlns:p14="http://schemas.microsoft.com/office/powerpoint/2010/main" val="2129019359"/>
-      </p:ext>
-    </p:extLst>
-  </p:cSld>
-  <p:clrMapOvr>
-    <a:masterClrMapping/>
-  </p:clrMapOvr>
-</p:sld>
-</file>
-
-<file path=ppt/slides/slide12.xml><?xml version="1.0" encoding="utf-8"?>
-<p:sld xmlns:a="http://schemas.openxmlformats.org/drawingml/2006/main" xmlns:r="http://schemas.openxmlformats.org/officeDocument/2006/relationships" xmlns:p="http://schemas.openxmlformats.org/presentationml/2006/main" show="0">
-  <p:cSld>
-    <p:spTree>
-      <p:nvGrpSpPr>
-        <p:cNvPr id="1" name=""/>
-        <p:cNvGrpSpPr/>
-        <p:nvPr/>
-      </p:nvGrpSpPr>
-      <p:grpSpPr>
-        <a:xfrm>
-          <a:off x="0" y="0"/>
-          <a:ext cx="0" cy="0"/>
-          <a:chOff x="0" y="0"/>
-          <a:chExt cx="0" cy="0"/>
-        </a:xfrm>
-      </p:grpSpPr>
-      <p:sp>
-        <p:nvSpPr>
-          <p:cNvPr id="2" name="Titel 1">
-            <a:extLst>
-              <a:ext uri="{FF2B5EF4-FFF2-40B4-BE49-F238E27FC236}">
-                <a16:creationId xmlns:a16="http://schemas.microsoft.com/office/drawing/2014/main" id="{DACCC2B6-6A38-4119-A770-CEF2A062B6C6}"/>
-              </a:ext>
-            </a:extLst>
-          </p:cNvPr>
-          <p:cNvSpPr>
-            <a:spLocks noGrp="1"/>
-          </p:cNvSpPr>
-          <p:nvPr>
-            <p:ph type="title"/>
-          </p:nvPr>
-        </p:nvSpPr>
-        <p:spPr>
-          <a:xfrm>
-            <a:off x="457200" y="274638"/>
-            <a:ext cx="8229600" cy="1143000"/>
-          </a:xfrm>
-          <a:solidFill>
-            <a:srgbClr val="8F111A"/>
-          </a:solidFill>
-          <a:ln w="12700">
-            <a:solidFill>
-              <a:schemeClr val="tx1"/>
-            </a:solidFill>
-          </a:ln>
-        </p:spPr>
-        <p:txBody>
-          <a:bodyPr/>
-          <a:lstStyle/>
-          <a:p>
-            <a:r>
-              <a:rPr lang="de-AT" dirty="0">
-                <a:solidFill>
-                  <a:schemeClr val="bg1">
-                    <a:lumMod val="95000"/>
-                  </a:schemeClr>
-                </a:solidFill>
-              </a:rPr>
-              <a:t>Implementierung</a:t>
-            </a:r>
-          </a:p>
-        </p:txBody>
-      </p:sp>
-      <p:pic>
-        <p:nvPicPr>
-          <p:cNvPr id="4" name="Grafik 3">
-            <a:extLst>
-              <a:ext uri="{FF2B5EF4-FFF2-40B4-BE49-F238E27FC236}">
-                <a16:creationId xmlns:a16="http://schemas.microsoft.com/office/drawing/2014/main" id="{E9D33F78-1996-4E75-803D-E403CAEE3DAC}"/>
-              </a:ext>
-            </a:extLst>
-          </p:cNvPr>
-          <p:cNvPicPr>
-            <a:picLocks noChangeAspect="1"/>
-          </p:cNvPicPr>
-          <p:nvPr/>
-        </p:nvPicPr>
-        <p:blipFill>
-          <a:blip r:embed="rId2"/>
-          <a:stretch>
-            <a:fillRect/>
-          </a:stretch>
-        </p:blipFill>
-        <p:spPr>
-          <a:xfrm>
-            <a:off x="611560" y="313271"/>
-            <a:ext cx="1020471" cy="1065734"/>
-          </a:xfrm>
-          <a:prstGeom prst="rect">
-            <a:avLst/>
-          </a:prstGeom>
-        </p:spPr>
-      </p:pic>
-      <p:sp>
-        <p:nvSpPr>
-          <p:cNvPr id="6" name="Inhaltsplatzhalter 2">
-            <a:extLst>
-              <a:ext uri="{FF2B5EF4-FFF2-40B4-BE49-F238E27FC236}">
-                <a16:creationId xmlns:a16="http://schemas.microsoft.com/office/drawing/2014/main" id="{8F150A8E-6E58-403F-9E50-7E315F8A5B6A}"/>
-              </a:ext>
-            </a:extLst>
-          </p:cNvPr>
-          <p:cNvSpPr>
-            <a:spLocks noGrp="1"/>
-          </p:cNvSpPr>
-          <p:nvPr>
-            <p:ph idx="1"/>
-          </p:nvPr>
-        </p:nvSpPr>
-        <p:spPr>
-          <a:xfrm>
-            <a:off x="457200" y="1700808"/>
-            <a:ext cx="8229600" cy="4752528"/>
-          </a:xfrm>
-        </p:spPr>
-        <p:txBody>
-          <a:bodyPr>
-            <a:normAutofit lnSpcReduction="10000"/>
-          </a:bodyPr>
-          <a:lstStyle/>
-          <a:p>
-            <a:pPr marL="0" indent="0">
-              <a:buNone/>
-            </a:pPr>
-            <a:r>
-              <a:rPr lang="de-AT" sz="4000" u="sng" dirty="0"/>
-              <a:t>„Lokales“ Backend</a:t>
-            </a:r>
-            <a:endParaRPr lang="de-AT" sz="4000" dirty="0"/>
-          </a:p>
-          <a:p>
-            <a:pPr marL="0" indent="0">
-              <a:buNone/>
-            </a:pPr>
-            <a:endParaRPr lang="de-AT" sz="4000" dirty="0"/>
-          </a:p>
-          <a:p>
-            <a:pPr marL="0" indent="0">
-              <a:buNone/>
-            </a:pPr>
-            <a:r>
-              <a:rPr lang="de-AT" sz="4000" dirty="0"/>
-              <a:t>MySQL</a:t>
-            </a:r>
-          </a:p>
-          <a:p>
-            <a:pPr lvl="2"/>
-            <a:r>
-              <a:rPr lang="de-DE" dirty="0"/>
-              <a:t>Bereitstellen und Betreiben der Datenbank</a:t>
-            </a:r>
-            <a:endParaRPr lang="de-DE" sz="4000" dirty="0"/>
-          </a:p>
-          <a:p>
-            <a:pPr marL="0" indent="0">
-              <a:buNone/>
-            </a:pPr>
-            <a:r>
-              <a:rPr lang="de-DE" sz="4000" dirty="0" err="1"/>
-              <a:t>WildFly</a:t>
-            </a:r>
-            <a:endParaRPr lang="de-DE" sz="2400" dirty="0"/>
-          </a:p>
-          <a:p>
-            <a:pPr lvl="2"/>
-            <a:r>
-              <a:rPr lang="de-DE" dirty="0"/>
-              <a:t>Bereitstellen der http-Schnittstelle</a:t>
-            </a:r>
-            <a:endParaRPr lang="de-AT" sz="4000" dirty="0"/>
-          </a:p>
-          <a:p>
-            <a:pPr marL="0" indent="0">
-              <a:buNone/>
-            </a:pPr>
-            <a:r>
-              <a:rPr lang="de-DE" sz="4000" dirty="0"/>
-              <a:t>Spring Tool Suite (STS)</a:t>
-            </a:r>
-            <a:endParaRPr lang="de-AT" sz="4000" dirty="0"/>
-          </a:p>
-          <a:p>
-            <a:pPr lvl="2"/>
-            <a:r>
-              <a:rPr lang="de-DE" dirty="0"/>
-              <a:t>Backendprogramm (Verwendet </a:t>
-            </a:r>
-            <a:r>
-              <a:rPr lang="de-DE" dirty="0" err="1"/>
-              <a:t>WildFly</a:t>
-            </a:r>
-            <a:r>
-              <a:rPr lang="de-DE" dirty="0"/>
-              <a:t>/MySQL)</a:t>
-            </a:r>
-          </a:p>
-          <a:p>
-            <a:endParaRPr lang="de-AT" sz="4000" dirty="0"/>
-          </a:p>
-        </p:txBody>
-      </p:sp>
-    </p:spTree>
-    <p:extLst>
-      <p:ext uri="{BB962C8B-B14F-4D97-AF65-F5344CB8AC3E}">
-        <p14:creationId xmlns:p14="http://schemas.microsoft.com/office/powerpoint/2010/main" val="3777114599"/>
-      </p:ext>
-    </p:extLst>
-  </p:cSld>
-  <p:clrMapOvr>
-    <a:masterClrMapping/>
-  </p:clrMapOvr>
-</p:sld>
-</file>
-
-<file path=ppt/slides/slide13.xml><?xml version="1.0" encoding="utf-8"?>
-<p:sld xmlns:a="http://schemas.openxmlformats.org/drawingml/2006/main" xmlns:r="http://schemas.openxmlformats.org/officeDocument/2006/relationships" xmlns:p="http://schemas.openxmlformats.org/presentationml/2006/main" show="0">
-  <p:cSld>
-    <p:spTree>
-      <p:nvGrpSpPr>
-        <p:cNvPr id="1" name=""/>
-        <p:cNvGrpSpPr/>
-        <p:nvPr/>
-      </p:nvGrpSpPr>
-      <p:grpSpPr>
-        <a:xfrm>
-          <a:off x="0" y="0"/>
-          <a:ext cx="0" cy="0"/>
-          <a:chOff x="0" y="0"/>
-          <a:chExt cx="0" cy="0"/>
-        </a:xfrm>
-      </p:grpSpPr>
-      <p:sp>
-        <p:nvSpPr>
-          <p:cNvPr id="2" name="Titel 1">
-            <a:extLst>
-              <a:ext uri="{FF2B5EF4-FFF2-40B4-BE49-F238E27FC236}">
-                <a16:creationId xmlns:a16="http://schemas.microsoft.com/office/drawing/2014/main" id="{DACCC2B6-6A38-4119-A770-CEF2A062B6C6}"/>
-              </a:ext>
-            </a:extLst>
-          </p:cNvPr>
-          <p:cNvSpPr>
-            <a:spLocks noGrp="1"/>
-          </p:cNvSpPr>
-          <p:nvPr>
-            <p:ph type="title"/>
-          </p:nvPr>
-        </p:nvSpPr>
-        <p:spPr>
-          <a:xfrm>
-            <a:off x="457200" y="274638"/>
-            <a:ext cx="8229600" cy="1143000"/>
-          </a:xfrm>
-          <a:solidFill>
-            <a:srgbClr val="8F111A"/>
-          </a:solidFill>
-          <a:ln w="12700">
-            <a:solidFill>
-              <a:schemeClr val="tx1"/>
-            </a:solidFill>
-          </a:ln>
-        </p:spPr>
-        <p:txBody>
-          <a:bodyPr/>
-          <a:lstStyle/>
-          <a:p>
-            <a:r>
-              <a:rPr lang="de-AT" dirty="0">
-                <a:solidFill>
-                  <a:schemeClr val="bg1">
-                    <a:lumMod val="95000"/>
-                  </a:schemeClr>
-                </a:solidFill>
-              </a:rPr>
-              <a:t>Implementierung</a:t>
-            </a:r>
-          </a:p>
-        </p:txBody>
-      </p:sp>
-      <p:pic>
-        <p:nvPicPr>
-          <p:cNvPr id="4" name="Grafik 3">
-            <a:extLst>
-              <a:ext uri="{FF2B5EF4-FFF2-40B4-BE49-F238E27FC236}">
-                <a16:creationId xmlns:a16="http://schemas.microsoft.com/office/drawing/2014/main" id="{E9D33F78-1996-4E75-803D-E403CAEE3DAC}"/>
-              </a:ext>
-            </a:extLst>
-          </p:cNvPr>
-          <p:cNvPicPr>
-            <a:picLocks noChangeAspect="1"/>
-          </p:cNvPicPr>
-          <p:nvPr/>
-        </p:nvPicPr>
-        <p:blipFill>
-          <a:blip r:embed="rId2"/>
-          <a:stretch>
-            <a:fillRect/>
-          </a:stretch>
-        </p:blipFill>
-        <p:spPr>
-          <a:xfrm>
-            <a:off x="611560" y="313271"/>
-            <a:ext cx="1020471" cy="1065734"/>
-          </a:xfrm>
-          <a:prstGeom prst="rect">
-            <a:avLst/>
-          </a:prstGeom>
-        </p:spPr>
-      </p:pic>
-      <p:sp>
-        <p:nvSpPr>
-          <p:cNvPr id="6" name="Inhaltsplatzhalter 2">
-            <a:extLst>
-              <a:ext uri="{FF2B5EF4-FFF2-40B4-BE49-F238E27FC236}">
-                <a16:creationId xmlns:a16="http://schemas.microsoft.com/office/drawing/2014/main" id="{8F150A8E-6E58-403F-9E50-7E315F8A5B6A}"/>
-              </a:ext>
-            </a:extLst>
-          </p:cNvPr>
-          <p:cNvSpPr>
-            <a:spLocks noGrp="1"/>
-          </p:cNvSpPr>
-          <p:nvPr>
-            <p:ph idx="1"/>
-          </p:nvPr>
-        </p:nvSpPr>
-        <p:spPr>
-          <a:xfrm>
-            <a:off x="457200" y="1844824"/>
-            <a:ext cx="8229600" cy="4608512"/>
-          </a:xfrm>
-        </p:spPr>
-        <p:txBody>
-          <a:bodyPr>
-            <a:normAutofit fontScale="92500"/>
-          </a:bodyPr>
-          <a:lstStyle/>
-          <a:p>
-            <a:pPr marL="0" indent="0">
-              <a:buNone/>
-            </a:pPr>
-            <a:r>
-              <a:rPr lang="de-DE" sz="4000" u="sng" dirty="0"/>
-              <a:t>Frontend</a:t>
-            </a:r>
-            <a:endParaRPr lang="de-AT" sz="4000" dirty="0"/>
-          </a:p>
-          <a:p>
-            <a:pPr marL="0" indent="0">
-              <a:buNone/>
-            </a:pPr>
-            <a:endParaRPr lang="de-AT" sz="4000" dirty="0"/>
-          </a:p>
-          <a:p>
-            <a:pPr marL="0" indent="0">
-              <a:buNone/>
-            </a:pPr>
-            <a:r>
-              <a:rPr lang="de-AT" sz="4000" dirty="0" err="1"/>
-              <a:t>AngularJS</a:t>
-            </a:r>
-            <a:endParaRPr lang="de-AT" sz="4000" dirty="0"/>
-          </a:p>
-          <a:p>
-            <a:pPr lvl="2"/>
-            <a:r>
-              <a:rPr lang="de-DE" dirty="0"/>
-              <a:t>JavaScript-Framework / Single-Page-Webanwendung</a:t>
-            </a:r>
-            <a:endParaRPr lang="de-DE" sz="4000" dirty="0"/>
-          </a:p>
-          <a:p>
-            <a:pPr marL="0" indent="0">
-              <a:buNone/>
-            </a:pPr>
-            <a:r>
-              <a:rPr lang="de-DE" sz="4000" dirty="0"/>
-              <a:t>Bootstrap</a:t>
-            </a:r>
-            <a:endParaRPr lang="de-DE" sz="2400" dirty="0"/>
-          </a:p>
-          <a:p>
-            <a:pPr lvl="2"/>
-            <a:r>
-              <a:rPr lang="de-DE" dirty="0"/>
-              <a:t>CSS-Framework für die Frontend-Anwendung </a:t>
-            </a:r>
-          </a:p>
-          <a:p>
-            <a:pPr marL="0" indent="0">
-              <a:buNone/>
-            </a:pPr>
-            <a:r>
-              <a:rPr lang="de-DE" sz="4000" dirty="0"/>
-              <a:t>Browser</a:t>
-            </a:r>
-            <a:endParaRPr lang="de-DE" sz="2400" dirty="0"/>
-          </a:p>
-          <a:p>
-            <a:pPr lvl="2"/>
-            <a:r>
-              <a:rPr lang="de-DE" dirty="0"/>
-              <a:t>Unterstützung von </a:t>
-            </a:r>
-            <a:r>
-              <a:rPr lang="de-DE" dirty="0" err="1"/>
-              <a:t>AngularJS</a:t>
-            </a:r>
-            <a:r>
-              <a:rPr lang="de-DE" dirty="0"/>
-              <a:t> notwendig</a:t>
-            </a:r>
-            <a:endParaRPr lang="de-AT" sz="4000" dirty="0"/>
-          </a:p>
-        </p:txBody>
-      </p:sp>
-    </p:spTree>
-    <p:extLst>
-      <p:ext uri="{BB962C8B-B14F-4D97-AF65-F5344CB8AC3E}">
-        <p14:creationId xmlns:p14="http://schemas.microsoft.com/office/powerpoint/2010/main" val="629996483"/>
-      </p:ext>
-    </p:extLst>
-  </p:cSld>
-  <p:clrMapOvr>
-    <a:masterClrMapping/>
-  </p:clrMapOvr>
-</p:sld>
-</file>
-
-<file path=ppt/slides/slide14.xml><?xml version="1.0" encoding="utf-8"?>
-<p:sld xmlns:a="http://schemas.openxmlformats.org/drawingml/2006/main" xmlns:r="http://schemas.openxmlformats.org/officeDocument/2006/relationships" xmlns:p="http://schemas.openxmlformats.org/presentationml/2006/main">
-  <p:cSld>
-    <p:spTree>
-      <p:nvGrpSpPr>
-        <p:cNvPr id="1" name=""/>
-        <p:cNvGrpSpPr/>
-        <p:nvPr/>
-      </p:nvGrpSpPr>
-      <p:grpSpPr>
-        <a:xfrm>
-          <a:off x="0" y="0"/>
-          <a:ext cx="0" cy="0"/>
-          <a:chOff x="0" y="0"/>
-          <a:chExt cx="0" cy="0"/>
-        </a:xfrm>
-      </p:grpSpPr>
-      <p:sp>
-        <p:nvSpPr>
-          <p:cNvPr id="2" name="Titel 1">
-            <a:extLst>
-              <a:ext uri="{FF2B5EF4-FFF2-40B4-BE49-F238E27FC236}">
-                <a16:creationId xmlns:a16="http://schemas.microsoft.com/office/drawing/2014/main" id="{DACCC2B6-6A38-4119-A770-CEF2A062B6C6}"/>
-              </a:ext>
-            </a:extLst>
-          </p:cNvPr>
-          <p:cNvSpPr>
-            <a:spLocks noGrp="1"/>
-          </p:cNvSpPr>
-          <p:nvPr>
-            <p:ph type="title"/>
-          </p:nvPr>
-        </p:nvSpPr>
-        <p:spPr>
-          <a:xfrm>
-            <a:off x="457200" y="274638"/>
-            <a:ext cx="8229600" cy="1143000"/>
-          </a:xfrm>
-          <a:solidFill>
-            <a:srgbClr val="8F111A"/>
-          </a:solidFill>
-          <a:ln w="12700">
-            <a:solidFill>
-              <a:schemeClr val="tx1"/>
-            </a:solidFill>
-          </a:ln>
-        </p:spPr>
-        <p:txBody>
-          <a:bodyPr/>
-          <a:lstStyle/>
-          <a:p>
-            <a:r>
-              <a:rPr lang="de-AT" dirty="0">
-                <a:solidFill>
-                  <a:schemeClr val="bg1">
-                    <a:lumMod val="95000"/>
-                  </a:schemeClr>
-                </a:solidFill>
-              </a:rPr>
-              <a:t>Ausblick</a:t>
-            </a:r>
-          </a:p>
-        </p:txBody>
-      </p:sp>
-      <p:pic>
-        <p:nvPicPr>
-          <p:cNvPr id="4" name="Grafik 3">
-            <a:extLst>
-              <a:ext uri="{FF2B5EF4-FFF2-40B4-BE49-F238E27FC236}">
-                <a16:creationId xmlns:a16="http://schemas.microsoft.com/office/drawing/2014/main" id="{E9D33F78-1996-4E75-803D-E403CAEE3DAC}"/>
-              </a:ext>
-            </a:extLst>
-          </p:cNvPr>
-          <p:cNvPicPr>
-            <a:picLocks noChangeAspect="1"/>
-          </p:cNvPicPr>
-          <p:nvPr/>
-        </p:nvPicPr>
-        <p:blipFill>
-          <a:blip r:embed="rId2"/>
-          <a:stretch>
-            <a:fillRect/>
-          </a:stretch>
-        </p:blipFill>
-        <p:spPr>
-          <a:xfrm>
-            <a:off x="611560" y="313271"/>
-            <a:ext cx="1020471" cy="1065734"/>
-          </a:xfrm>
-          <a:prstGeom prst="rect">
-            <a:avLst/>
-          </a:prstGeom>
-        </p:spPr>
-      </p:pic>
-      <p:sp>
-        <p:nvSpPr>
-          <p:cNvPr id="5" name="Inhaltsplatzhalter 2">
-            <a:extLst>
-              <a:ext uri="{FF2B5EF4-FFF2-40B4-BE49-F238E27FC236}">
-                <a16:creationId xmlns:a16="http://schemas.microsoft.com/office/drawing/2014/main" id="{9D8DA2B0-7BB3-4C55-B29A-2F68CA08123B}"/>
-              </a:ext>
-            </a:extLst>
-          </p:cNvPr>
-          <p:cNvSpPr>
-            <a:spLocks noGrp="1"/>
-          </p:cNvSpPr>
-          <p:nvPr>
-            <p:ph idx="1"/>
-          </p:nvPr>
-        </p:nvSpPr>
-        <p:spPr>
-          <a:xfrm>
-            <a:off x="457200" y="1844824"/>
-            <a:ext cx="8229600" cy="4608512"/>
-          </a:xfrm>
-        </p:spPr>
-        <p:txBody>
-          <a:bodyPr>
-            <a:normAutofit/>
-          </a:bodyPr>
-          <a:lstStyle/>
-          <a:p>
-            <a:r>
-              <a:rPr lang="de-AT" sz="4000" dirty="0"/>
-              <a:t>Switch von lokalem Server auf online Server</a:t>
-            </a:r>
-          </a:p>
-          <a:p>
-            <a:r>
-              <a:rPr lang="de-AT" sz="4000" dirty="0"/>
-              <a:t>Implementierung einer APP</a:t>
-            </a:r>
-          </a:p>
-          <a:p>
-            <a:r>
-              <a:rPr lang="de-AT" sz="4000" dirty="0"/>
-              <a:t>Vernetzung der Mitglieder</a:t>
-            </a:r>
-          </a:p>
-          <a:p>
-            <a:r>
-              <a:rPr lang="de-AT" sz="4000" dirty="0"/>
-              <a:t>Verwaltung von Usern </a:t>
-            </a:r>
-          </a:p>
-          <a:p>
-            <a:r>
-              <a:rPr lang="de-AT" sz="4000" dirty="0"/>
-              <a:t>Anlegen von „Mappen“</a:t>
-            </a:r>
-          </a:p>
-        </p:txBody>
-      </p:sp>
-    </p:spTree>
-    <p:extLst>
-      <p:ext uri="{BB962C8B-B14F-4D97-AF65-F5344CB8AC3E}">
-        <p14:creationId xmlns:p14="http://schemas.microsoft.com/office/powerpoint/2010/main" val="962354881"/>
-      </p:ext>
-    </p:extLst>
-  </p:cSld>
-  <p:clrMapOvr>
-    <a:masterClrMapping/>
-  </p:clrMapOvr>
-</p:sld>
-</file>
-
-<file path=ppt/slides/slide15.xml><?xml version="1.0" encoding="utf-8"?>
-<p:sld xmlns:a="http://schemas.openxmlformats.org/drawingml/2006/main" xmlns:r="http://schemas.openxmlformats.org/officeDocument/2006/relationships" xmlns:p="http://schemas.openxmlformats.org/presentationml/2006/main">
-  <p:cSld>
-    <p:spTree>
-      <p:nvGrpSpPr>
-        <p:cNvPr id="1" name=""/>
-        <p:cNvGrpSpPr/>
-        <p:nvPr/>
-      </p:nvGrpSpPr>
-      <p:grpSpPr>
-        <a:xfrm>
-          <a:off x="0" y="0"/>
-          <a:ext cx="0" cy="0"/>
-          <a:chOff x="0" y="0"/>
-          <a:chExt cx="0" cy="0"/>
-        </a:xfrm>
-      </p:grpSpPr>
-      <p:sp>
-        <p:nvSpPr>
-          <p:cNvPr id="2" name="Titel 1">
-            <a:extLst>
-              <a:ext uri="{FF2B5EF4-FFF2-40B4-BE49-F238E27FC236}">
-                <a16:creationId xmlns:a16="http://schemas.microsoft.com/office/drawing/2014/main" id="{DACCC2B6-6A38-4119-A770-CEF2A062B6C6}"/>
-              </a:ext>
-            </a:extLst>
-          </p:cNvPr>
-          <p:cNvSpPr>
-            <a:spLocks noGrp="1"/>
-          </p:cNvSpPr>
-          <p:nvPr>
-            <p:ph type="title"/>
-          </p:nvPr>
-        </p:nvSpPr>
-        <p:spPr>
-          <a:xfrm>
-            <a:off x="457200" y="274638"/>
-            <a:ext cx="8229600" cy="1143000"/>
-          </a:xfrm>
-          <a:solidFill>
-            <a:srgbClr val="8F111A"/>
-          </a:solidFill>
-          <a:ln w="12700">
-            <a:solidFill>
-              <a:schemeClr val="tx1"/>
-            </a:solidFill>
-          </a:ln>
-        </p:spPr>
-        <p:txBody>
-          <a:bodyPr/>
-          <a:lstStyle/>
-          <a:p>
-            <a:endParaRPr lang="de-AT" dirty="0">
-              <a:solidFill>
-                <a:schemeClr val="bg1">
-                  <a:lumMod val="95000"/>
-                </a:schemeClr>
-              </a:solidFill>
-            </a:endParaRPr>
-          </a:p>
-        </p:txBody>
-      </p:sp>
-      <p:pic>
-        <p:nvPicPr>
-          <p:cNvPr id="4" name="Grafik 3">
-            <a:extLst>
-              <a:ext uri="{FF2B5EF4-FFF2-40B4-BE49-F238E27FC236}">
-                <a16:creationId xmlns:a16="http://schemas.microsoft.com/office/drawing/2014/main" id="{E9D33F78-1996-4E75-803D-E403CAEE3DAC}"/>
-              </a:ext>
-            </a:extLst>
-          </p:cNvPr>
-          <p:cNvPicPr>
-            <a:picLocks noChangeAspect="1"/>
-          </p:cNvPicPr>
-          <p:nvPr/>
-        </p:nvPicPr>
-        <p:blipFill>
-          <a:blip r:embed="rId2"/>
-          <a:stretch>
-            <a:fillRect/>
-          </a:stretch>
-        </p:blipFill>
-        <p:spPr>
-          <a:xfrm>
-            <a:off x="611560" y="313271"/>
-            <a:ext cx="1020471" cy="1065734"/>
-          </a:xfrm>
-          <a:prstGeom prst="rect">
-            <a:avLst/>
-          </a:prstGeom>
-        </p:spPr>
-      </p:pic>
-      <p:sp>
-        <p:nvSpPr>
-          <p:cNvPr id="5" name="Inhaltsplatzhalter 2">
-            <a:extLst>
-              <a:ext uri="{FF2B5EF4-FFF2-40B4-BE49-F238E27FC236}">
-                <a16:creationId xmlns:a16="http://schemas.microsoft.com/office/drawing/2014/main" id="{9D8DA2B0-7BB3-4C55-B29A-2F68CA08123B}"/>
-              </a:ext>
-            </a:extLst>
-          </p:cNvPr>
-          <p:cNvSpPr>
-            <a:spLocks noGrp="1"/>
-          </p:cNvSpPr>
-          <p:nvPr>
-            <p:ph idx="1"/>
-          </p:nvPr>
-        </p:nvSpPr>
-        <p:spPr>
-          <a:xfrm>
-            <a:off x="457200" y="1844824"/>
-            <a:ext cx="8229600" cy="4608512"/>
-          </a:xfrm>
-        </p:spPr>
-        <p:txBody>
-          <a:bodyPr>
-            <a:normAutofit/>
-          </a:bodyPr>
-          <a:lstStyle/>
-          <a:p>
-            <a:pPr marL="0" indent="0">
-              <a:buNone/>
-            </a:pPr>
-            <a:endParaRPr lang="de-AT" sz="4000" dirty="0"/>
-          </a:p>
-          <a:p>
-            <a:pPr marL="0" indent="0">
-              <a:buNone/>
-            </a:pPr>
-            <a:endParaRPr lang="de-AT" sz="4000" dirty="0"/>
-          </a:p>
-          <a:p>
-            <a:pPr marL="0" indent="0" algn="ctr">
-              <a:buNone/>
-            </a:pPr>
-            <a:r>
-              <a:rPr lang="de-AT" sz="4000" dirty="0"/>
-              <a:t>Danke für Ihre Aufmerksamkeit</a:t>
-            </a:r>
-          </a:p>
-        </p:txBody>
-      </p:sp>
-    </p:spTree>
-    <p:extLst>
-      <p:ext uri="{BB962C8B-B14F-4D97-AF65-F5344CB8AC3E}">
-        <p14:creationId xmlns:p14="http://schemas.microsoft.com/office/powerpoint/2010/main" val="808633417"/>
+        <p14:creationId xmlns:p14="http://schemas.microsoft.com/office/powerpoint/2010/main" val="3277528027"/>
       </p:ext>
     </p:extLst>
   </p:cSld>
@@ -4595,7 +3123,7 @@
           <p:cNvPr id="2" name="Titel 1">
             <a:extLst>
               <a:ext uri="{FF2B5EF4-FFF2-40B4-BE49-F238E27FC236}">
-                <a16:creationId xmlns:a16="http://schemas.microsoft.com/office/drawing/2014/main" id="{DACCC2B6-6A38-4119-A770-CEF2A062B6C6}"/>
+                <a16:creationId xmlns:a16="http://schemas.microsoft.com/office/drawing/2014/main" id="{E53EC6B7-89FB-4508-8BB6-8430F7638E50}"/>
               </a:ext>
             </a:extLst>
           </p:cNvPr>
@@ -4606,34 +3134,12 @@
             <p:ph type="title"/>
           </p:nvPr>
         </p:nvSpPr>
-        <p:spPr>
-          <a:xfrm>
-            <a:off x="457200" y="274638"/>
-            <a:ext cx="8229600" cy="1143000"/>
-          </a:xfrm>
-          <a:solidFill>
-            <a:srgbClr val="8F111A"/>
-          </a:solidFill>
-          <a:ln w="12700">
-            <a:solidFill>
-              <a:schemeClr val="tx1"/>
-            </a:solidFill>
-          </a:ln>
-        </p:spPr>
-        <p:txBody>
-          <a:bodyPr/>
-          <a:lstStyle/>
-          <a:p>
-            <a:r>
-              <a:rPr lang="de-AT" dirty="0">
-                <a:solidFill>
-                  <a:schemeClr val="bg1">
-                    <a:lumMod val="95000"/>
-                  </a:schemeClr>
-                </a:solidFill>
-              </a:rPr>
-              <a:t>Motivation</a:t>
-            </a:r>
+        <p:spPr/>
+        <p:txBody>
+          <a:bodyPr/>
+          <a:lstStyle/>
+          <a:p>
+            <a:endParaRPr lang="de-AT"/>
           </a:p>
         </p:txBody>
       </p:sp>
@@ -4642,7 +3148,7 @@
           <p:cNvPr id="3" name="Inhaltsplatzhalter 2">
             <a:extLst>
               <a:ext uri="{FF2B5EF4-FFF2-40B4-BE49-F238E27FC236}">
-                <a16:creationId xmlns:a16="http://schemas.microsoft.com/office/drawing/2014/main" id="{317DEE44-C5AC-473A-A65D-E44B3A3D9802}"/>
+                <a16:creationId xmlns:a16="http://schemas.microsoft.com/office/drawing/2014/main" id="{D6857C11-444B-4454-806D-AA4502222AD6}"/>
               </a:ext>
             </a:extLst>
           </p:cNvPr>
@@ -4653,1249 +3159,83 @@
             <p:ph idx="1"/>
           </p:nvPr>
         </p:nvSpPr>
-        <p:spPr>
-          <a:xfrm>
-            <a:off x="457200" y="2420888"/>
-            <a:ext cx="8229600" cy="3917032"/>
-          </a:xfrm>
-        </p:spPr>
-        <p:txBody>
-          <a:bodyPr>
-            <a:normAutofit/>
-          </a:bodyPr>
-          <a:lstStyle/>
-          <a:p>
-            <a:pPr marL="0" indent="0">
-              <a:buNone/>
-            </a:pPr>
-            <a:r>
-              <a:rPr lang="de-AT" sz="4000" dirty="0"/>
-              <a:t>Programm….</a:t>
-            </a:r>
-          </a:p>
-          <a:p>
-            <a:pPr marL="0" indent="0">
-              <a:buNone/>
-            </a:pPr>
-            <a:r>
-              <a:rPr lang="de-AT" sz="4000" dirty="0"/>
-              <a:t>	…mit realem Bedarf</a:t>
-            </a:r>
-          </a:p>
-          <a:p>
-            <a:pPr marL="0" indent="0">
-              <a:buNone/>
-            </a:pPr>
-            <a:r>
-              <a:rPr lang="de-AT" sz="4000" dirty="0"/>
-              <a:t>	…mit Ausbaupotential</a:t>
-            </a:r>
-          </a:p>
-          <a:p>
-            <a:pPr marL="0" indent="0">
-              <a:buNone/>
-            </a:pPr>
-            <a:r>
-              <a:rPr lang="de-AT" sz="4000" dirty="0"/>
-              <a:t>	…mit Bezug zu Teammitglied</a:t>
-            </a:r>
-          </a:p>
-        </p:txBody>
-      </p:sp>
-      <p:pic>
-        <p:nvPicPr>
-          <p:cNvPr id="4" name="Grafik 3">
-            <a:extLst>
-              <a:ext uri="{FF2B5EF4-FFF2-40B4-BE49-F238E27FC236}">
-                <a16:creationId xmlns:a16="http://schemas.microsoft.com/office/drawing/2014/main" id="{E9D33F78-1996-4E75-803D-E403CAEE3DAC}"/>
-              </a:ext>
-            </a:extLst>
-          </p:cNvPr>
-          <p:cNvPicPr>
-            <a:picLocks noChangeAspect="1"/>
-          </p:cNvPicPr>
-          <p:nvPr/>
-        </p:nvPicPr>
-        <p:blipFill>
-          <a:blip r:embed="rId2"/>
-          <a:stretch>
-            <a:fillRect/>
-          </a:stretch>
-        </p:blipFill>
-        <p:spPr>
-          <a:xfrm>
-            <a:off x="611560" y="313271"/>
-            <a:ext cx="1020471" cy="1065734"/>
-          </a:xfrm>
-          <a:prstGeom prst="rect">
-            <a:avLst/>
-          </a:prstGeom>
-        </p:spPr>
-      </p:pic>
+        <p:spPr/>
+        <p:txBody>
+          <a:bodyPr/>
+          <a:lstStyle/>
+          <a:p>
+            <a:r>
+              <a:rPr lang="de-AT" dirty="0"/>
+              <a:t>Inhalt</a:t>
+            </a:r>
+          </a:p>
+          <a:p>
+            <a:pPr lvl="1"/>
+            <a:r>
+              <a:rPr lang="de-AT" dirty="0"/>
+              <a:t>Motivation</a:t>
+            </a:r>
+          </a:p>
+          <a:p>
+            <a:pPr lvl="1"/>
+            <a:r>
+              <a:rPr lang="de-AT" dirty="0"/>
+              <a:t>Idee</a:t>
+            </a:r>
+          </a:p>
+          <a:p>
+            <a:pPr lvl="1"/>
+            <a:r>
+              <a:rPr lang="de-AT" dirty="0"/>
+              <a:t>Planung</a:t>
+            </a:r>
+          </a:p>
+          <a:p>
+            <a:pPr lvl="1"/>
+            <a:r>
+              <a:rPr lang="de-AT" dirty="0"/>
+              <a:t>Funktion</a:t>
+            </a:r>
+          </a:p>
+          <a:p>
+            <a:pPr lvl="1"/>
+            <a:r>
+              <a:rPr lang="de-AT" dirty="0"/>
+              <a:t>Mockups</a:t>
+            </a:r>
+          </a:p>
+          <a:p>
+            <a:pPr lvl="1"/>
+            <a:r>
+              <a:rPr lang="de-AT" dirty="0"/>
+              <a:t>Demo Implementierung</a:t>
+            </a:r>
+          </a:p>
+          <a:p>
+            <a:pPr lvl="1"/>
+            <a:r>
+              <a:rPr lang="de-AT" dirty="0"/>
+              <a:t>Ausblick</a:t>
+            </a:r>
+          </a:p>
+          <a:p>
+            <a:pPr lvl="1"/>
+            <a:endParaRPr lang="de-AT" dirty="0"/>
+          </a:p>
+          <a:p>
+            <a:pPr lvl="1"/>
+            <a:endParaRPr lang="de-AT" dirty="0"/>
+          </a:p>
+          <a:p>
+            <a:pPr lvl="1"/>
+            <a:endParaRPr lang="de-AT" dirty="0"/>
+          </a:p>
+        </p:txBody>
+      </p:sp>
     </p:spTree>
     <p:extLst>
       <p:ext uri="{BB962C8B-B14F-4D97-AF65-F5344CB8AC3E}">
-        <p14:creationId xmlns:p14="http://schemas.microsoft.com/office/powerpoint/2010/main" val="573968402"/>
-      </p:ext>
-    </p:extLst>
-  </p:cSld>
-  <p:clrMapOvr>
-    <a:masterClrMapping/>
-  </p:clrMapOvr>
-</p:sld>
-</file>
-
-<file path=ppt/slides/slide3.xml><?xml version="1.0" encoding="utf-8"?>
-<p:sld xmlns:a="http://schemas.openxmlformats.org/drawingml/2006/main" xmlns:r="http://schemas.openxmlformats.org/officeDocument/2006/relationships" xmlns:p="http://schemas.openxmlformats.org/presentationml/2006/main">
-  <p:cSld>
-    <p:spTree>
-      <p:nvGrpSpPr>
-        <p:cNvPr id="1" name=""/>
-        <p:cNvGrpSpPr/>
-        <p:nvPr/>
-      </p:nvGrpSpPr>
-      <p:grpSpPr>
-        <a:xfrm>
-          <a:off x="0" y="0"/>
-          <a:ext cx="0" cy="0"/>
-          <a:chOff x="0" y="0"/>
-          <a:chExt cx="0" cy="0"/>
-        </a:xfrm>
-      </p:grpSpPr>
-      <p:sp>
-        <p:nvSpPr>
-          <p:cNvPr id="2" name="Titel 1">
-            <a:extLst>
-              <a:ext uri="{FF2B5EF4-FFF2-40B4-BE49-F238E27FC236}">
-                <a16:creationId xmlns:a16="http://schemas.microsoft.com/office/drawing/2014/main" id="{DACCC2B6-6A38-4119-A770-CEF2A062B6C6}"/>
-              </a:ext>
-            </a:extLst>
-          </p:cNvPr>
-          <p:cNvSpPr>
-            <a:spLocks noGrp="1"/>
-          </p:cNvSpPr>
-          <p:nvPr>
-            <p:ph type="title"/>
-          </p:nvPr>
-        </p:nvSpPr>
-        <p:spPr>
-          <a:xfrm>
-            <a:off x="457200" y="274638"/>
-            <a:ext cx="8229600" cy="1143000"/>
-          </a:xfrm>
-          <a:solidFill>
-            <a:srgbClr val="8F111A"/>
-          </a:solidFill>
-          <a:ln w="12700">
-            <a:solidFill>
-              <a:schemeClr val="tx1"/>
-            </a:solidFill>
-          </a:ln>
-        </p:spPr>
-        <p:txBody>
-          <a:bodyPr/>
-          <a:lstStyle/>
-          <a:p>
-            <a:r>
-              <a:rPr lang="de-AT" dirty="0">
-                <a:solidFill>
-                  <a:schemeClr val="bg1">
-                    <a:lumMod val="95000"/>
-                  </a:schemeClr>
-                </a:solidFill>
-              </a:rPr>
-              <a:t>Idee</a:t>
-            </a:r>
-          </a:p>
-        </p:txBody>
-      </p:sp>
-      <p:sp>
-        <p:nvSpPr>
-          <p:cNvPr id="3" name="Inhaltsplatzhalter 2">
-            <a:extLst>
-              <a:ext uri="{FF2B5EF4-FFF2-40B4-BE49-F238E27FC236}">
-                <a16:creationId xmlns:a16="http://schemas.microsoft.com/office/drawing/2014/main" id="{317DEE44-C5AC-473A-A65D-E44B3A3D9802}"/>
-              </a:ext>
-            </a:extLst>
-          </p:cNvPr>
-          <p:cNvSpPr>
-            <a:spLocks noGrp="1"/>
-          </p:cNvSpPr>
-          <p:nvPr>
-            <p:ph idx="1"/>
-          </p:nvPr>
-        </p:nvSpPr>
-        <p:spPr>
-          <a:xfrm>
-            <a:off x="457200" y="2132856"/>
-            <a:ext cx="8229600" cy="4205064"/>
-          </a:xfrm>
-        </p:spPr>
-        <p:txBody>
-          <a:bodyPr>
-            <a:normAutofit fontScale="92500" lnSpcReduction="20000"/>
-          </a:bodyPr>
-          <a:lstStyle/>
-          <a:p>
-            <a:r>
-              <a:rPr lang="de-AT" sz="4000" u="sng" dirty="0"/>
-              <a:t>Problemstellung:</a:t>
-            </a:r>
-          </a:p>
-          <a:p>
-            <a:pPr lvl="1"/>
-            <a:r>
-              <a:rPr lang="de-AT" sz="3600" dirty="0"/>
-              <a:t>Notenarchive meist noch in Papierformat</a:t>
-            </a:r>
-          </a:p>
-          <a:p>
-            <a:pPr lvl="1"/>
-            <a:r>
-              <a:rPr lang="de-AT" sz="3600" dirty="0"/>
-              <a:t>Zeitaufwendiger Zugriff</a:t>
-            </a:r>
-          </a:p>
-          <a:p>
-            <a:pPr lvl="1"/>
-            <a:r>
-              <a:rPr lang="de-AT" sz="3600" dirty="0"/>
-              <a:t>Zugriff kann nur vor Ort erfolgen</a:t>
-            </a:r>
-          </a:p>
-          <a:p>
-            <a:endParaRPr lang="de-AT" sz="4000" dirty="0"/>
-          </a:p>
-          <a:p>
-            <a:r>
-              <a:rPr lang="de-AT" sz="4000" u="sng" dirty="0"/>
-              <a:t>Lösung:</a:t>
-            </a:r>
-          </a:p>
-          <a:p>
-            <a:pPr lvl="1"/>
-            <a:r>
-              <a:rPr lang="de-AT" sz="3600" dirty="0"/>
-              <a:t>Digitalisierung Notenarchive</a:t>
-            </a:r>
-          </a:p>
-          <a:p>
-            <a:endParaRPr lang="de-AT" sz="4000" dirty="0"/>
-          </a:p>
-          <a:p>
-            <a:endParaRPr lang="de-AT" sz="4000" dirty="0"/>
-          </a:p>
-        </p:txBody>
-      </p:sp>
-      <p:pic>
-        <p:nvPicPr>
-          <p:cNvPr id="4" name="Grafik 3">
-            <a:extLst>
-              <a:ext uri="{FF2B5EF4-FFF2-40B4-BE49-F238E27FC236}">
-                <a16:creationId xmlns:a16="http://schemas.microsoft.com/office/drawing/2014/main" id="{E9D33F78-1996-4E75-803D-E403CAEE3DAC}"/>
-              </a:ext>
-            </a:extLst>
-          </p:cNvPr>
-          <p:cNvPicPr>
-            <a:picLocks noChangeAspect="1"/>
-          </p:cNvPicPr>
-          <p:nvPr/>
-        </p:nvPicPr>
-        <p:blipFill>
-          <a:blip r:embed="rId2"/>
-          <a:stretch>
-            <a:fillRect/>
-          </a:stretch>
-        </p:blipFill>
-        <p:spPr>
-          <a:xfrm>
-            <a:off x="611560" y="313271"/>
-            <a:ext cx="1020471" cy="1065734"/>
-          </a:xfrm>
-          <a:prstGeom prst="rect">
-            <a:avLst/>
-          </a:prstGeom>
-        </p:spPr>
-      </p:pic>
-    </p:spTree>
-    <p:extLst>
-      <p:ext uri="{BB962C8B-B14F-4D97-AF65-F5344CB8AC3E}">
-        <p14:creationId xmlns:p14="http://schemas.microsoft.com/office/powerpoint/2010/main" val="3024211158"/>
-      </p:ext>
-    </p:extLst>
-  </p:cSld>
-  <p:clrMapOvr>
-    <a:masterClrMapping/>
-  </p:clrMapOvr>
-</p:sld>
-</file>
-
-<file path=ppt/slides/slide4.xml><?xml version="1.0" encoding="utf-8"?>
-<p:sld xmlns:a="http://schemas.openxmlformats.org/drawingml/2006/main" xmlns:r="http://schemas.openxmlformats.org/officeDocument/2006/relationships" xmlns:p="http://schemas.openxmlformats.org/presentationml/2006/main">
-  <p:cSld>
-    <p:spTree>
-      <p:nvGrpSpPr>
-        <p:cNvPr id="1" name=""/>
-        <p:cNvGrpSpPr/>
-        <p:nvPr/>
-      </p:nvGrpSpPr>
-      <p:grpSpPr>
-        <a:xfrm>
-          <a:off x="0" y="0"/>
-          <a:ext cx="0" cy="0"/>
-          <a:chOff x="0" y="0"/>
-          <a:chExt cx="0" cy="0"/>
-        </a:xfrm>
-      </p:grpSpPr>
-      <p:sp>
-        <p:nvSpPr>
-          <p:cNvPr id="2" name="Titel 1">
-            <a:extLst>
-              <a:ext uri="{FF2B5EF4-FFF2-40B4-BE49-F238E27FC236}">
-                <a16:creationId xmlns:a16="http://schemas.microsoft.com/office/drawing/2014/main" id="{DACCC2B6-6A38-4119-A770-CEF2A062B6C6}"/>
-              </a:ext>
-            </a:extLst>
-          </p:cNvPr>
-          <p:cNvSpPr>
-            <a:spLocks noGrp="1"/>
-          </p:cNvSpPr>
-          <p:nvPr>
-            <p:ph type="title"/>
-          </p:nvPr>
-        </p:nvSpPr>
-        <p:spPr>
-          <a:xfrm>
-            <a:off x="457200" y="274638"/>
-            <a:ext cx="8229600" cy="1143000"/>
-          </a:xfrm>
-          <a:solidFill>
-            <a:srgbClr val="8F111A"/>
-          </a:solidFill>
-          <a:ln w="12700">
-            <a:solidFill>
-              <a:schemeClr val="tx1"/>
-            </a:solidFill>
-          </a:ln>
-        </p:spPr>
-        <p:txBody>
-          <a:bodyPr/>
-          <a:lstStyle/>
-          <a:p>
-            <a:r>
-              <a:rPr lang="de-AT" dirty="0">
-                <a:solidFill>
-                  <a:schemeClr val="bg1">
-                    <a:lumMod val="95000"/>
-                  </a:schemeClr>
-                </a:solidFill>
-              </a:rPr>
-              <a:t>Planung</a:t>
-            </a:r>
-          </a:p>
-        </p:txBody>
-      </p:sp>
-      <p:sp>
-        <p:nvSpPr>
-          <p:cNvPr id="3" name="Inhaltsplatzhalter 2">
-            <a:extLst>
-              <a:ext uri="{FF2B5EF4-FFF2-40B4-BE49-F238E27FC236}">
-                <a16:creationId xmlns:a16="http://schemas.microsoft.com/office/drawing/2014/main" id="{317DEE44-C5AC-473A-A65D-E44B3A3D9802}"/>
-              </a:ext>
-            </a:extLst>
-          </p:cNvPr>
-          <p:cNvSpPr>
-            <a:spLocks noGrp="1"/>
-          </p:cNvSpPr>
-          <p:nvPr>
-            <p:ph idx="1"/>
-          </p:nvPr>
-        </p:nvSpPr>
-        <p:spPr>
-          <a:xfrm>
-            <a:off x="457200" y="2420888"/>
-            <a:ext cx="8229600" cy="3456384"/>
-          </a:xfrm>
-        </p:spPr>
-        <p:txBody>
-          <a:bodyPr>
-            <a:normAutofit lnSpcReduction="10000"/>
-          </a:bodyPr>
-          <a:lstStyle/>
-          <a:p>
-            <a:r>
-              <a:rPr lang="de-AT" sz="4000" dirty="0"/>
-              <a:t>Kickoff-Meeting</a:t>
-            </a:r>
-          </a:p>
-          <a:p>
-            <a:pPr marL="0" indent="0">
-              <a:buNone/>
-            </a:pPr>
-            <a:endParaRPr lang="de-AT" sz="4000" dirty="0"/>
-          </a:p>
-          <a:p>
-            <a:r>
-              <a:rPr lang="de-AT" sz="4000" dirty="0"/>
-              <a:t>APP oder nicht APP?</a:t>
-            </a:r>
-          </a:p>
-          <a:p>
-            <a:endParaRPr lang="de-AT" sz="4000" dirty="0"/>
-          </a:p>
-          <a:p>
-            <a:r>
-              <a:rPr lang="de-AT" sz="4000" dirty="0"/>
-              <a:t>Entscheidung: Webanwendung </a:t>
-            </a:r>
-          </a:p>
-          <a:p>
-            <a:pPr marL="0" indent="0">
-              <a:buNone/>
-            </a:pPr>
-            <a:endParaRPr lang="de-AT" sz="4000" dirty="0"/>
-          </a:p>
-          <a:p>
-            <a:endParaRPr lang="de-AT" sz="4000" dirty="0"/>
-          </a:p>
-          <a:p>
-            <a:endParaRPr lang="de-AT" sz="4000" dirty="0"/>
-          </a:p>
-        </p:txBody>
-      </p:sp>
-      <p:pic>
-        <p:nvPicPr>
-          <p:cNvPr id="4" name="Grafik 3">
-            <a:extLst>
-              <a:ext uri="{FF2B5EF4-FFF2-40B4-BE49-F238E27FC236}">
-                <a16:creationId xmlns:a16="http://schemas.microsoft.com/office/drawing/2014/main" id="{E9D33F78-1996-4E75-803D-E403CAEE3DAC}"/>
-              </a:ext>
-            </a:extLst>
-          </p:cNvPr>
-          <p:cNvPicPr>
-            <a:picLocks noChangeAspect="1"/>
-          </p:cNvPicPr>
-          <p:nvPr/>
-        </p:nvPicPr>
-        <p:blipFill>
-          <a:blip r:embed="rId2"/>
-          <a:stretch>
-            <a:fillRect/>
-          </a:stretch>
-        </p:blipFill>
-        <p:spPr>
-          <a:xfrm>
-            <a:off x="611560" y="313271"/>
-            <a:ext cx="1020471" cy="1065734"/>
-          </a:xfrm>
-          <a:prstGeom prst="rect">
-            <a:avLst/>
-          </a:prstGeom>
-        </p:spPr>
-      </p:pic>
-    </p:spTree>
-    <p:extLst>
-      <p:ext uri="{BB962C8B-B14F-4D97-AF65-F5344CB8AC3E}">
-        <p14:creationId xmlns:p14="http://schemas.microsoft.com/office/powerpoint/2010/main" val="3232785068"/>
-      </p:ext>
-    </p:extLst>
-  </p:cSld>
-  <p:clrMapOvr>
-    <a:masterClrMapping/>
-  </p:clrMapOvr>
-</p:sld>
-</file>
-
-<file path=ppt/slides/slide5.xml><?xml version="1.0" encoding="utf-8"?>
-<p:sld xmlns:a="http://schemas.openxmlformats.org/drawingml/2006/main" xmlns:r="http://schemas.openxmlformats.org/officeDocument/2006/relationships" xmlns:p="http://schemas.openxmlformats.org/presentationml/2006/main">
-  <p:cSld>
-    <p:spTree>
-      <p:nvGrpSpPr>
-        <p:cNvPr id="1" name=""/>
-        <p:cNvGrpSpPr/>
-        <p:nvPr/>
-      </p:nvGrpSpPr>
-      <p:grpSpPr>
-        <a:xfrm>
-          <a:off x="0" y="0"/>
-          <a:ext cx="0" cy="0"/>
-          <a:chOff x="0" y="0"/>
-          <a:chExt cx="0" cy="0"/>
-        </a:xfrm>
-      </p:grpSpPr>
-      <p:sp>
-        <p:nvSpPr>
-          <p:cNvPr id="2" name="Titel 1">
-            <a:extLst>
-              <a:ext uri="{FF2B5EF4-FFF2-40B4-BE49-F238E27FC236}">
-                <a16:creationId xmlns:a16="http://schemas.microsoft.com/office/drawing/2014/main" id="{DACCC2B6-6A38-4119-A770-CEF2A062B6C6}"/>
-              </a:ext>
-            </a:extLst>
-          </p:cNvPr>
-          <p:cNvSpPr>
-            <a:spLocks noGrp="1"/>
-          </p:cNvSpPr>
-          <p:nvPr>
-            <p:ph type="title"/>
-          </p:nvPr>
-        </p:nvSpPr>
-        <p:spPr>
-          <a:xfrm>
-            <a:off x="457200" y="274638"/>
-            <a:ext cx="8229600" cy="1143000"/>
-          </a:xfrm>
-          <a:solidFill>
-            <a:srgbClr val="8F111A"/>
-          </a:solidFill>
-          <a:ln w="12700">
-            <a:solidFill>
-              <a:schemeClr val="tx1"/>
-            </a:solidFill>
-          </a:ln>
-        </p:spPr>
-        <p:txBody>
-          <a:bodyPr/>
-          <a:lstStyle/>
-          <a:p>
-            <a:r>
-              <a:rPr lang="de-AT" dirty="0">
-                <a:solidFill>
-                  <a:schemeClr val="bg1">
-                    <a:lumMod val="95000"/>
-                  </a:schemeClr>
-                </a:solidFill>
-              </a:rPr>
-              <a:t>Funktion</a:t>
-            </a:r>
-          </a:p>
-        </p:txBody>
-      </p:sp>
-      <p:pic>
-        <p:nvPicPr>
-          <p:cNvPr id="4" name="Grafik 3">
-            <a:extLst>
-              <a:ext uri="{FF2B5EF4-FFF2-40B4-BE49-F238E27FC236}">
-                <a16:creationId xmlns:a16="http://schemas.microsoft.com/office/drawing/2014/main" id="{E9D33F78-1996-4E75-803D-E403CAEE3DAC}"/>
-              </a:ext>
-            </a:extLst>
-          </p:cNvPr>
-          <p:cNvPicPr>
-            <a:picLocks noChangeAspect="1"/>
-          </p:cNvPicPr>
-          <p:nvPr/>
-        </p:nvPicPr>
-        <p:blipFill>
-          <a:blip r:embed="rId2"/>
-          <a:stretch>
-            <a:fillRect/>
-          </a:stretch>
-        </p:blipFill>
-        <p:spPr>
-          <a:xfrm>
-            <a:off x="611560" y="313271"/>
-            <a:ext cx="1020471" cy="1065734"/>
-          </a:xfrm>
-          <a:prstGeom prst="rect">
-            <a:avLst/>
-          </a:prstGeom>
-        </p:spPr>
-      </p:pic>
-      <p:sp>
-        <p:nvSpPr>
-          <p:cNvPr id="6" name="Inhaltsplatzhalter 2">
-            <a:extLst>
-              <a:ext uri="{FF2B5EF4-FFF2-40B4-BE49-F238E27FC236}">
-                <a16:creationId xmlns:a16="http://schemas.microsoft.com/office/drawing/2014/main" id="{8F150A8E-6E58-403F-9E50-7E315F8A5B6A}"/>
-              </a:ext>
-            </a:extLst>
-          </p:cNvPr>
-          <p:cNvSpPr>
-            <a:spLocks noGrp="1"/>
-          </p:cNvSpPr>
-          <p:nvPr>
-            <p:ph idx="1"/>
-          </p:nvPr>
-        </p:nvSpPr>
-        <p:spPr>
-          <a:xfrm>
-            <a:off x="457200" y="1844824"/>
-            <a:ext cx="8229600" cy="4680520"/>
-          </a:xfrm>
-        </p:spPr>
-        <p:txBody>
-          <a:bodyPr>
-            <a:normAutofit/>
-          </a:bodyPr>
-          <a:lstStyle/>
-          <a:p>
-            <a:pPr marL="0" indent="0">
-              <a:buNone/>
-            </a:pPr>
-            <a:r>
-              <a:rPr lang="de-AT" sz="4000" u="sng" dirty="0" err="1"/>
-              <a:t>Archivist</a:t>
-            </a:r>
-            <a:r>
-              <a:rPr lang="de-AT" sz="4000" u="sng" dirty="0"/>
-              <a:t>:</a:t>
-            </a:r>
-          </a:p>
-          <a:p>
-            <a:pPr marL="0" indent="0">
-              <a:buNone/>
-            </a:pPr>
-            <a:endParaRPr lang="de-AT" sz="3600" dirty="0"/>
-          </a:p>
-          <a:p>
-            <a:pPr marL="0" indent="0">
-              <a:buNone/>
-            </a:pPr>
-            <a:r>
-              <a:rPr lang="de-AT" sz="3600" dirty="0"/>
-              <a:t>Speichern…</a:t>
-            </a:r>
-          </a:p>
-          <a:p>
-            <a:pPr marL="0" indent="0">
-              <a:buNone/>
-            </a:pPr>
-            <a:r>
-              <a:rPr lang="de-AT" sz="3600" dirty="0"/>
-              <a:t>Verwalten…</a:t>
-            </a:r>
-          </a:p>
-          <a:p>
-            <a:pPr marL="0" indent="0">
-              <a:buNone/>
-            </a:pPr>
-            <a:r>
-              <a:rPr lang="de-AT" sz="3600" dirty="0"/>
-              <a:t>Suche…</a:t>
-            </a:r>
-          </a:p>
-          <a:p>
-            <a:pPr marL="0" indent="0">
-              <a:buNone/>
-            </a:pPr>
-            <a:r>
-              <a:rPr lang="de-AT" sz="3600" dirty="0"/>
-              <a:t>		von Noten-</a:t>
-            </a:r>
-            <a:r>
-              <a:rPr lang="de-AT" sz="3600" dirty="0" err="1"/>
-              <a:t>PDF`s</a:t>
-            </a:r>
-            <a:endParaRPr lang="de-AT" sz="3600" dirty="0"/>
-          </a:p>
-          <a:p>
-            <a:pPr marL="0" indent="0">
-              <a:buNone/>
-            </a:pPr>
-            <a:endParaRPr lang="de-AT" sz="3600" dirty="0"/>
-          </a:p>
-        </p:txBody>
-      </p:sp>
-    </p:spTree>
-    <p:extLst>
-      <p:ext uri="{BB962C8B-B14F-4D97-AF65-F5344CB8AC3E}">
-        <p14:creationId xmlns:p14="http://schemas.microsoft.com/office/powerpoint/2010/main" val="1859143567"/>
-      </p:ext>
-    </p:extLst>
-  </p:cSld>
-  <p:clrMapOvr>
-    <a:masterClrMapping/>
-  </p:clrMapOvr>
-</p:sld>
-</file>
-
-<file path=ppt/slides/slide6.xml><?xml version="1.0" encoding="utf-8"?>
-<p:sld xmlns:a="http://schemas.openxmlformats.org/drawingml/2006/main" xmlns:r="http://schemas.openxmlformats.org/officeDocument/2006/relationships" xmlns:p="http://schemas.openxmlformats.org/presentationml/2006/main">
-  <p:cSld>
-    <p:spTree>
-      <p:nvGrpSpPr>
-        <p:cNvPr id="1" name=""/>
-        <p:cNvGrpSpPr/>
-        <p:nvPr/>
-      </p:nvGrpSpPr>
-      <p:grpSpPr>
-        <a:xfrm>
-          <a:off x="0" y="0"/>
-          <a:ext cx="0" cy="0"/>
-          <a:chOff x="0" y="0"/>
-          <a:chExt cx="0" cy="0"/>
-        </a:xfrm>
-      </p:grpSpPr>
-      <p:sp>
-        <p:nvSpPr>
-          <p:cNvPr id="2" name="Titel 1">
-            <a:extLst>
-              <a:ext uri="{FF2B5EF4-FFF2-40B4-BE49-F238E27FC236}">
-                <a16:creationId xmlns:a16="http://schemas.microsoft.com/office/drawing/2014/main" id="{DACCC2B6-6A38-4119-A770-CEF2A062B6C6}"/>
-              </a:ext>
-            </a:extLst>
-          </p:cNvPr>
-          <p:cNvSpPr>
-            <a:spLocks noGrp="1"/>
-          </p:cNvSpPr>
-          <p:nvPr>
-            <p:ph type="title"/>
-          </p:nvPr>
-        </p:nvSpPr>
-        <p:spPr>
-          <a:xfrm>
-            <a:off x="457200" y="274638"/>
-            <a:ext cx="8229600" cy="1143000"/>
-          </a:xfrm>
-          <a:solidFill>
-            <a:srgbClr val="8F111A"/>
-          </a:solidFill>
-          <a:ln w="12700">
-            <a:solidFill>
-              <a:schemeClr val="tx1"/>
-            </a:solidFill>
-          </a:ln>
-        </p:spPr>
-        <p:txBody>
-          <a:bodyPr/>
-          <a:lstStyle/>
-          <a:p>
-            <a:r>
-              <a:rPr lang="de-AT" dirty="0">
-                <a:solidFill>
-                  <a:schemeClr val="bg1">
-                    <a:lumMod val="95000"/>
-                  </a:schemeClr>
-                </a:solidFill>
-              </a:rPr>
-              <a:t>Mockups</a:t>
-            </a:r>
-          </a:p>
-        </p:txBody>
-      </p:sp>
-      <p:pic>
-        <p:nvPicPr>
-          <p:cNvPr id="4" name="Grafik 3">
-            <a:extLst>
-              <a:ext uri="{FF2B5EF4-FFF2-40B4-BE49-F238E27FC236}">
-                <a16:creationId xmlns:a16="http://schemas.microsoft.com/office/drawing/2014/main" id="{E9D33F78-1996-4E75-803D-E403CAEE3DAC}"/>
-              </a:ext>
-            </a:extLst>
-          </p:cNvPr>
-          <p:cNvPicPr>
-            <a:picLocks noChangeAspect="1"/>
-          </p:cNvPicPr>
-          <p:nvPr/>
-        </p:nvPicPr>
-        <p:blipFill>
-          <a:blip r:embed="rId2"/>
-          <a:stretch>
-            <a:fillRect/>
-          </a:stretch>
-        </p:blipFill>
-        <p:spPr>
-          <a:xfrm>
-            <a:off x="611560" y="313271"/>
-            <a:ext cx="1020471" cy="1065734"/>
-          </a:xfrm>
-          <a:prstGeom prst="rect">
-            <a:avLst/>
-          </a:prstGeom>
-        </p:spPr>
-      </p:pic>
-      <p:pic>
-        <p:nvPicPr>
-          <p:cNvPr id="5" name="Inhaltsplatzhalter 4" descr="Ein Bild, das Screenshot enthält.&#10;&#10;Mit sehr hoher Zuverlässigkeit generierte Beschreibung">
-            <a:extLst>
-              <a:ext uri="{FF2B5EF4-FFF2-40B4-BE49-F238E27FC236}">
-                <a16:creationId xmlns:a16="http://schemas.microsoft.com/office/drawing/2014/main" id="{D9D5B087-2656-4EB7-AF31-B29218D7BDE6}"/>
-              </a:ext>
-            </a:extLst>
-          </p:cNvPr>
-          <p:cNvPicPr>
-            <a:picLocks noGrp="1" noChangeAspect="1"/>
-          </p:cNvPicPr>
-          <p:nvPr>
-            <p:ph idx="1"/>
-          </p:nvPr>
-        </p:nvPicPr>
-        <p:blipFill>
-          <a:blip r:embed="rId3">
-            <a:extLst>
-              <a:ext uri="{28A0092B-C50C-407E-A947-70E740481C1C}">
-                <a14:useLocalDpi xmlns:a14="http://schemas.microsoft.com/office/drawing/2010/main" val="0"/>
-              </a:ext>
-            </a:extLst>
-          </a:blip>
-          <a:stretch>
-            <a:fillRect/>
-          </a:stretch>
-        </p:blipFill>
-        <p:spPr>
-          <a:xfrm>
-            <a:off x="475544" y="1844675"/>
-            <a:ext cx="8192912" cy="4608513"/>
-          </a:xfrm>
-          <a:ln>
-            <a:solidFill>
-              <a:schemeClr val="tx1"/>
-            </a:solidFill>
-          </a:ln>
-        </p:spPr>
-      </p:pic>
-    </p:spTree>
-    <p:extLst>
-      <p:ext uri="{BB962C8B-B14F-4D97-AF65-F5344CB8AC3E}">
-        <p14:creationId xmlns:p14="http://schemas.microsoft.com/office/powerpoint/2010/main" val="4247052865"/>
-      </p:ext>
-    </p:extLst>
-  </p:cSld>
-  <p:clrMapOvr>
-    <a:masterClrMapping/>
-  </p:clrMapOvr>
-</p:sld>
-</file>
-
-<file path=ppt/slides/slide7.xml><?xml version="1.0" encoding="utf-8"?>
-<p:sld xmlns:a="http://schemas.openxmlformats.org/drawingml/2006/main" xmlns:r="http://schemas.openxmlformats.org/officeDocument/2006/relationships" xmlns:p="http://schemas.openxmlformats.org/presentationml/2006/main">
-  <p:cSld>
-    <p:spTree>
-      <p:nvGrpSpPr>
-        <p:cNvPr id="1" name=""/>
-        <p:cNvGrpSpPr/>
-        <p:nvPr/>
-      </p:nvGrpSpPr>
-      <p:grpSpPr>
-        <a:xfrm>
-          <a:off x="0" y="0"/>
-          <a:ext cx="0" cy="0"/>
-          <a:chOff x="0" y="0"/>
-          <a:chExt cx="0" cy="0"/>
-        </a:xfrm>
-      </p:grpSpPr>
-      <p:sp>
-        <p:nvSpPr>
-          <p:cNvPr id="2" name="Titel 1">
-            <a:extLst>
-              <a:ext uri="{FF2B5EF4-FFF2-40B4-BE49-F238E27FC236}">
-                <a16:creationId xmlns:a16="http://schemas.microsoft.com/office/drawing/2014/main" id="{DACCC2B6-6A38-4119-A770-CEF2A062B6C6}"/>
-              </a:ext>
-            </a:extLst>
-          </p:cNvPr>
-          <p:cNvSpPr>
-            <a:spLocks noGrp="1"/>
-          </p:cNvSpPr>
-          <p:nvPr>
-            <p:ph type="title"/>
-          </p:nvPr>
-        </p:nvSpPr>
-        <p:spPr>
-          <a:xfrm>
-            <a:off x="457200" y="274638"/>
-            <a:ext cx="8229600" cy="1143000"/>
-          </a:xfrm>
-          <a:solidFill>
-            <a:srgbClr val="8F111A"/>
-          </a:solidFill>
-          <a:ln w="12700">
-            <a:solidFill>
-              <a:schemeClr val="tx1"/>
-            </a:solidFill>
-          </a:ln>
-        </p:spPr>
-        <p:txBody>
-          <a:bodyPr/>
-          <a:lstStyle/>
-          <a:p>
-            <a:r>
-              <a:rPr lang="de-AT" dirty="0">
-                <a:solidFill>
-                  <a:schemeClr val="bg1">
-                    <a:lumMod val="95000"/>
-                  </a:schemeClr>
-                </a:solidFill>
-              </a:rPr>
-              <a:t>Mockups</a:t>
-            </a:r>
-          </a:p>
-        </p:txBody>
-      </p:sp>
-      <p:pic>
-        <p:nvPicPr>
-          <p:cNvPr id="4" name="Grafik 3">
-            <a:extLst>
-              <a:ext uri="{FF2B5EF4-FFF2-40B4-BE49-F238E27FC236}">
-                <a16:creationId xmlns:a16="http://schemas.microsoft.com/office/drawing/2014/main" id="{E9D33F78-1996-4E75-803D-E403CAEE3DAC}"/>
-              </a:ext>
-            </a:extLst>
-          </p:cNvPr>
-          <p:cNvPicPr>
-            <a:picLocks noChangeAspect="1"/>
-          </p:cNvPicPr>
-          <p:nvPr/>
-        </p:nvPicPr>
-        <p:blipFill>
-          <a:blip r:embed="rId2"/>
-          <a:stretch>
-            <a:fillRect/>
-          </a:stretch>
-        </p:blipFill>
-        <p:spPr>
-          <a:xfrm>
-            <a:off x="611560" y="313271"/>
-            <a:ext cx="1020471" cy="1065734"/>
-          </a:xfrm>
-          <a:prstGeom prst="rect">
-            <a:avLst/>
-          </a:prstGeom>
-        </p:spPr>
-      </p:pic>
-      <p:pic>
-        <p:nvPicPr>
-          <p:cNvPr id="5" name="Inhaltsplatzhalter 4" descr="Ein Bild, das Screenshot enthält.&#10;&#10;Mit sehr hoher Zuverlässigkeit generierte Beschreibung">
-            <a:extLst>
-              <a:ext uri="{FF2B5EF4-FFF2-40B4-BE49-F238E27FC236}">
-                <a16:creationId xmlns:a16="http://schemas.microsoft.com/office/drawing/2014/main" id="{A05820E2-BBEC-44C9-B19F-326BDE6FC212}"/>
-              </a:ext>
-            </a:extLst>
-          </p:cNvPr>
-          <p:cNvPicPr>
-            <a:picLocks noGrp="1" noChangeAspect="1"/>
-          </p:cNvPicPr>
-          <p:nvPr>
-            <p:ph idx="1"/>
-          </p:nvPr>
-        </p:nvPicPr>
-        <p:blipFill>
-          <a:blip r:embed="rId3">
-            <a:extLst>
-              <a:ext uri="{28A0092B-C50C-407E-A947-70E740481C1C}">
-                <a14:useLocalDpi xmlns:a14="http://schemas.microsoft.com/office/drawing/2010/main" val="0"/>
-              </a:ext>
-            </a:extLst>
-          </a:blip>
-          <a:stretch>
-            <a:fillRect/>
-          </a:stretch>
-        </p:blipFill>
-        <p:spPr>
-          <a:xfrm>
-            <a:off x="475544" y="1844675"/>
-            <a:ext cx="8192912" cy="4608513"/>
-          </a:xfrm>
-          <a:noFill/>
-          <a:ln>
-            <a:solidFill>
-              <a:schemeClr val="tx1"/>
-            </a:solidFill>
-          </a:ln>
-        </p:spPr>
-      </p:pic>
-    </p:spTree>
-    <p:extLst>
-      <p:ext uri="{BB962C8B-B14F-4D97-AF65-F5344CB8AC3E}">
-        <p14:creationId xmlns:p14="http://schemas.microsoft.com/office/powerpoint/2010/main" val="3483998179"/>
-      </p:ext>
-    </p:extLst>
-  </p:cSld>
-  <p:clrMapOvr>
-    <a:masterClrMapping/>
-  </p:clrMapOvr>
-</p:sld>
-</file>
-
-<file path=ppt/slides/slide8.xml><?xml version="1.0" encoding="utf-8"?>
-<p:sld xmlns:a="http://schemas.openxmlformats.org/drawingml/2006/main" xmlns:r="http://schemas.openxmlformats.org/officeDocument/2006/relationships" xmlns:p="http://schemas.openxmlformats.org/presentationml/2006/main">
-  <p:cSld>
-    <p:spTree>
-      <p:nvGrpSpPr>
-        <p:cNvPr id="1" name=""/>
-        <p:cNvGrpSpPr/>
-        <p:nvPr/>
-      </p:nvGrpSpPr>
-      <p:grpSpPr>
-        <a:xfrm>
-          <a:off x="0" y="0"/>
-          <a:ext cx="0" cy="0"/>
-          <a:chOff x="0" y="0"/>
-          <a:chExt cx="0" cy="0"/>
-        </a:xfrm>
-      </p:grpSpPr>
-      <p:sp>
-        <p:nvSpPr>
-          <p:cNvPr id="2" name="Titel 1">
-            <a:extLst>
-              <a:ext uri="{FF2B5EF4-FFF2-40B4-BE49-F238E27FC236}">
-                <a16:creationId xmlns:a16="http://schemas.microsoft.com/office/drawing/2014/main" id="{DACCC2B6-6A38-4119-A770-CEF2A062B6C6}"/>
-              </a:ext>
-            </a:extLst>
-          </p:cNvPr>
-          <p:cNvSpPr>
-            <a:spLocks noGrp="1"/>
-          </p:cNvSpPr>
-          <p:nvPr>
-            <p:ph type="title"/>
-          </p:nvPr>
-        </p:nvSpPr>
-        <p:spPr>
-          <a:xfrm>
-            <a:off x="457200" y="274638"/>
-            <a:ext cx="8229600" cy="1143000"/>
-          </a:xfrm>
-          <a:solidFill>
-            <a:srgbClr val="8F111A"/>
-          </a:solidFill>
-          <a:ln w="12700">
-            <a:solidFill>
-              <a:schemeClr val="tx1"/>
-            </a:solidFill>
-          </a:ln>
-        </p:spPr>
-        <p:txBody>
-          <a:bodyPr/>
-          <a:lstStyle/>
-          <a:p>
-            <a:r>
-              <a:rPr lang="de-AT" dirty="0">
-                <a:solidFill>
-                  <a:schemeClr val="bg1">
-                    <a:lumMod val="95000"/>
-                  </a:schemeClr>
-                </a:solidFill>
-              </a:rPr>
-              <a:t>Mockups</a:t>
-            </a:r>
-          </a:p>
-        </p:txBody>
-      </p:sp>
-      <p:pic>
-        <p:nvPicPr>
-          <p:cNvPr id="4" name="Grafik 3">
-            <a:extLst>
-              <a:ext uri="{FF2B5EF4-FFF2-40B4-BE49-F238E27FC236}">
-                <a16:creationId xmlns:a16="http://schemas.microsoft.com/office/drawing/2014/main" id="{E9D33F78-1996-4E75-803D-E403CAEE3DAC}"/>
-              </a:ext>
-            </a:extLst>
-          </p:cNvPr>
-          <p:cNvPicPr>
-            <a:picLocks noChangeAspect="1"/>
-          </p:cNvPicPr>
-          <p:nvPr/>
-        </p:nvPicPr>
-        <p:blipFill>
-          <a:blip r:embed="rId2"/>
-          <a:stretch>
-            <a:fillRect/>
-          </a:stretch>
-        </p:blipFill>
-        <p:spPr>
-          <a:xfrm>
-            <a:off x="611560" y="313271"/>
-            <a:ext cx="1020471" cy="1065734"/>
-          </a:xfrm>
-          <a:prstGeom prst="rect">
-            <a:avLst/>
-          </a:prstGeom>
-        </p:spPr>
-      </p:pic>
-      <p:pic>
-        <p:nvPicPr>
-          <p:cNvPr id="8" name="Inhaltsplatzhalter 7" descr="Ein Bild, das Screenshot enthält.&#10;&#10;Mit sehr hoher Zuverlässigkeit generierte Beschreibung">
-            <a:extLst>
-              <a:ext uri="{FF2B5EF4-FFF2-40B4-BE49-F238E27FC236}">
-                <a16:creationId xmlns:a16="http://schemas.microsoft.com/office/drawing/2014/main" id="{4BDC7725-CDF1-491C-856E-F6C7F41538B8}"/>
-              </a:ext>
-            </a:extLst>
-          </p:cNvPr>
-          <p:cNvPicPr>
-            <a:picLocks noGrp="1" noChangeAspect="1"/>
-          </p:cNvPicPr>
-          <p:nvPr>
-            <p:ph idx="1"/>
-          </p:nvPr>
-        </p:nvPicPr>
-        <p:blipFill>
-          <a:blip r:embed="rId3">
-            <a:extLst>
-              <a:ext uri="{28A0092B-C50C-407E-A947-70E740481C1C}">
-                <a14:useLocalDpi xmlns:a14="http://schemas.microsoft.com/office/drawing/2010/main" val="0"/>
-              </a:ext>
-            </a:extLst>
-          </a:blip>
-          <a:stretch>
-            <a:fillRect/>
-          </a:stretch>
-        </p:blipFill>
-        <p:spPr>
-          <a:xfrm>
-            <a:off x="440794" y="1844824"/>
-            <a:ext cx="8246005" cy="4525963"/>
-          </a:xfrm>
-          <a:ln>
-            <a:solidFill>
-              <a:schemeClr val="tx1"/>
-            </a:solidFill>
-          </a:ln>
-        </p:spPr>
-      </p:pic>
-    </p:spTree>
-    <p:extLst>
-      <p:ext uri="{BB962C8B-B14F-4D97-AF65-F5344CB8AC3E}">
-        <p14:creationId xmlns:p14="http://schemas.microsoft.com/office/powerpoint/2010/main" val="2020479135"/>
-      </p:ext>
-    </p:extLst>
-  </p:cSld>
-  <p:clrMapOvr>
-    <a:masterClrMapping/>
-  </p:clrMapOvr>
-</p:sld>
-</file>
-
-<file path=ppt/slides/slide9.xml><?xml version="1.0" encoding="utf-8"?>
-<p:sld xmlns:a="http://schemas.openxmlformats.org/drawingml/2006/main" xmlns:r="http://schemas.openxmlformats.org/officeDocument/2006/relationships" xmlns:p="http://schemas.openxmlformats.org/presentationml/2006/main">
-  <p:cSld>
-    <p:spTree>
-      <p:nvGrpSpPr>
-        <p:cNvPr id="1" name=""/>
-        <p:cNvGrpSpPr/>
-        <p:nvPr/>
-      </p:nvGrpSpPr>
-      <p:grpSpPr>
-        <a:xfrm>
-          <a:off x="0" y="0"/>
-          <a:ext cx="0" cy="0"/>
-          <a:chOff x="0" y="0"/>
-          <a:chExt cx="0" cy="0"/>
-        </a:xfrm>
-      </p:grpSpPr>
-      <p:sp>
-        <p:nvSpPr>
-          <p:cNvPr id="2" name="Titel 1">
-            <a:extLst>
-              <a:ext uri="{FF2B5EF4-FFF2-40B4-BE49-F238E27FC236}">
-                <a16:creationId xmlns:a16="http://schemas.microsoft.com/office/drawing/2014/main" id="{DACCC2B6-6A38-4119-A770-CEF2A062B6C6}"/>
-              </a:ext>
-            </a:extLst>
-          </p:cNvPr>
-          <p:cNvSpPr>
-            <a:spLocks noGrp="1"/>
-          </p:cNvSpPr>
-          <p:nvPr>
-            <p:ph type="title"/>
-          </p:nvPr>
-        </p:nvSpPr>
-        <p:spPr>
-          <a:xfrm>
-            <a:off x="457200" y="274638"/>
-            <a:ext cx="8229600" cy="1143000"/>
-          </a:xfrm>
-          <a:solidFill>
-            <a:srgbClr val="8F111A"/>
-          </a:solidFill>
-          <a:ln w="12700">
-            <a:solidFill>
-              <a:schemeClr val="tx1"/>
-            </a:solidFill>
-          </a:ln>
-        </p:spPr>
-        <p:txBody>
-          <a:bodyPr/>
-          <a:lstStyle/>
-          <a:p>
-            <a:r>
-              <a:rPr lang="de-AT" dirty="0">
-                <a:solidFill>
-                  <a:schemeClr val="bg1">
-                    <a:lumMod val="95000"/>
-                  </a:schemeClr>
-                </a:solidFill>
-              </a:rPr>
-              <a:t>Demo</a:t>
-            </a:r>
-          </a:p>
-        </p:txBody>
-      </p:sp>
-      <p:pic>
-        <p:nvPicPr>
-          <p:cNvPr id="4" name="Grafik 3">
-            <a:extLst>
-              <a:ext uri="{FF2B5EF4-FFF2-40B4-BE49-F238E27FC236}">
-                <a16:creationId xmlns:a16="http://schemas.microsoft.com/office/drawing/2014/main" id="{E9D33F78-1996-4E75-803D-E403CAEE3DAC}"/>
-              </a:ext>
-            </a:extLst>
-          </p:cNvPr>
-          <p:cNvPicPr>
-            <a:picLocks noChangeAspect="1"/>
-          </p:cNvPicPr>
-          <p:nvPr/>
-        </p:nvPicPr>
-        <p:blipFill>
-          <a:blip r:embed="rId2"/>
-          <a:stretch>
-            <a:fillRect/>
-          </a:stretch>
-        </p:blipFill>
-        <p:spPr>
-          <a:xfrm>
-            <a:off x="611560" y="313271"/>
-            <a:ext cx="1020471" cy="1065734"/>
-          </a:xfrm>
-          <a:prstGeom prst="rect">
-            <a:avLst/>
-          </a:prstGeom>
-        </p:spPr>
-      </p:pic>
-      <p:sp>
-        <p:nvSpPr>
-          <p:cNvPr id="5" name="Inhaltsplatzhalter 4">
-            <a:extLst>
-              <a:ext uri="{FF2B5EF4-FFF2-40B4-BE49-F238E27FC236}">
-                <a16:creationId xmlns:a16="http://schemas.microsoft.com/office/drawing/2014/main" id="{FA40EF9A-62DA-4AA0-BADF-4E2B03EB7BEE}"/>
-              </a:ext>
-            </a:extLst>
-          </p:cNvPr>
-          <p:cNvSpPr>
-            <a:spLocks noGrp="1"/>
-          </p:cNvSpPr>
-          <p:nvPr>
-            <p:ph idx="1"/>
-          </p:nvPr>
-        </p:nvSpPr>
-        <p:spPr/>
-        <p:txBody>
-          <a:bodyPr/>
-          <a:lstStyle/>
-          <a:p>
-            <a:pPr marL="0" indent="0">
-              <a:buNone/>
-            </a:pPr>
-            <a:endParaRPr lang="de-AT" dirty="0"/>
-          </a:p>
-          <a:p>
-            <a:pPr marL="0" indent="0">
-              <a:buNone/>
-            </a:pPr>
-            <a:endParaRPr lang="de-AT" dirty="0"/>
-          </a:p>
-          <a:p>
-            <a:pPr marL="0" indent="0">
-              <a:buNone/>
-            </a:pPr>
-            <a:endParaRPr lang="de-AT" dirty="0"/>
-          </a:p>
-          <a:p>
-            <a:pPr marL="0" indent="0" algn="ctr">
-              <a:buNone/>
-            </a:pPr>
-            <a:r>
-              <a:rPr lang="de-AT" sz="4800" dirty="0"/>
-              <a:t>Live Test</a:t>
-            </a:r>
-          </a:p>
-        </p:txBody>
-      </p:sp>
-    </p:spTree>
-    <p:extLst>
-      <p:ext uri="{BB962C8B-B14F-4D97-AF65-F5344CB8AC3E}">
-        <p14:creationId xmlns:p14="http://schemas.microsoft.com/office/powerpoint/2010/main" val="1317167042"/>
+        <p14:creationId xmlns:p14="http://schemas.microsoft.com/office/powerpoint/2010/main" val="2741738023"/>
       </p:ext>
     </p:extLst>
   </p:cSld>
